--- a/PL-300 online 2022/PL300 Students Slides.pptx
+++ b/PL-300 online 2022/PL300 Students Slides.pptx
@@ -5,7 +5,7 @@
     <p:sldMasterId id="2147483648" r:id="rId1"/>
   </p:sldMasterIdLst>
   <p:notesMasterIdLst>
-    <p:notesMasterId r:id="rId24"/>
+    <p:notesMasterId r:id="rId38"/>
   </p:notesMasterIdLst>
   <p:sldIdLst>
     <p:sldId id="257" r:id="rId2"/>
@@ -30,6 +30,20 @@
     <p:sldId id="2076137429" r:id="rId21"/>
     <p:sldId id="2076137138" r:id="rId22"/>
     <p:sldId id="2076137428" r:id="rId23"/>
+    <p:sldId id="2076137432" r:id="rId24"/>
+    <p:sldId id="2076137430" r:id="rId25"/>
+    <p:sldId id="2076137431" r:id="rId26"/>
+    <p:sldId id="2076137433" r:id="rId27"/>
+    <p:sldId id="2076137435" r:id="rId28"/>
+    <p:sldId id="2076137443" r:id="rId29"/>
+    <p:sldId id="2076137436" r:id="rId30"/>
+    <p:sldId id="2076137444" r:id="rId31"/>
+    <p:sldId id="2076137437" r:id="rId32"/>
+    <p:sldId id="2076137439" r:id="rId33"/>
+    <p:sldId id="2076137440" r:id="rId34"/>
+    <p:sldId id="2076137441" r:id="rId35"/>
+    <p:sldId id="2076137438" r:id="rId36"/>
+    <p:sldId id="2076137445" r:id="rId37"/>
   </p:sldIdLst>
   <p:sldSz cx="12192000" cy="6858000"/>
   <p:notesSz cx="6858000" cy="9144000"/>
@@ -128,6 +142,67 @@
       </a:defRPr>
     </a:lvl9pPr>
   </p:defaultTextStyle>
+  <p:extLst>
+    <p:ext uri="{521415D9-36F7-43E2-AB2F-B90AF26B5E84}">
+      <p14:sectionLst xmlns:p14="http://schemas.microsoft.com/office/powerpoint/2010/main">
+        <p14:section name="Default Section" id="{2FA92D19-71F1-4398-BA7F-5B89CF856D21}">
+          <p14:sldIdLst>
+            <p14:sldId id="257"/>
+            <p14:sldId id="258"/>
+          </p14:sldIdLst>
+        </p14:section>
+        <p14:section name="Lesson 1" id="{74FDF612-CF4E-4957-9A88-FE8D77887717}">
+          <p14:sldIdLst>
+            <p14:sldId id="2076137426"/>
+            <p14:sldId id="259"/>
+            <p14:sldId id="2076137136"/>
+            <p14:sldId id="2076137427"/>
+            <p14:sldId id="2076137146"/>
+            <p14:sldId id="2076137130"/>
+            <p14:sldId id="2076137119"/>
+            <p14:sldId id="2076137117"/>
+            <p14:sldId id="2076137141"/>
+            <p14:sldId id="2076137145"/>
+            <p14:sldId id="2076137148"/>
+            <p14:sldId id="2076137142"/>
+            <p14:sldId id="2076137144"/>
+            <p14:sldId id="2076137143"/>
+            <p14:sldId id="2076137149"/>
+            <p14:sldId id="2076137150"/>
+            <p14:sldId id="2076137151"/>
+            <p14:sldId id="2076137429"/>
+            <p14:sldId id="2076137138"/>
+            <p14:sldId id="2076137428"/>
+          </p14:sldIdLst>
+        </p14:section>
+        <p14:section name="Lesson 2" id="{1B24B0A3-6142-45DF-B8AF-63FB373F2D3E}">
+          <p14:sldIdLst>
+            <p14:sldId id="2076137432"/>
+            <p14:sldId id="2076137430"/>
+            <p14:sldId id="2076137431"/>
+            <p14:sldId id="2076137433"/>
+            <p14:sldId id="2076137435"/>
+            <p14:sldId id="2076137443"/>
+            <p14:sldId id="2076137436"/>
+            <p14:sldId id="2076137444"/>
+            <p14:sldId id="2076137437"/>
+            <p14:sldId id="2076137439"/>
+            <p14:sldId id="2076137440"/>
+            <p14:sldId id="2076137441"/>
+          </p14:sldIdLst>
+        </p14:section>
+        <p14:section name="Lesson 3" id="{4F919229-E814-4852-A7EB-D7F691B62B49}">
+          <p14:sldIdLst>
+            <p14:sldId id="2076137438"/>
+            <p14:sldId id="2076137445"/>
+          </p14:sldIdLst>
+        </p14:section>
+      </p14:sectionLst>
+    </p:ext>
+    <p:ext uri="{EFAFB233-063F-42B5-8137-9DF3F51BA10A}">
+      <p15:sldGuideLst xmlns:p15="http://schemas.microsoft.com/office/powerpoint/2012/main"/>
+    </p:ext>
+  </p:extLst>
 </p:presentation>
 </file>
 
@@ -213,7 +288,7 @@
           <a:p>
             <a:fld id="{5F385276-5228-47BC-ABCC-DF0AF3A48026}" type="datetimeFigureOut">
               <a:rPr lang="en-GB" smtClean="0"/>
-              <a:t>14/02/2022</a:t>
+              <a:t>21/02/2022</a:t>
             </a:fld>
             <a:endParaRPr lang="en-GB"/>
           </a:p>
@@ -777,7 +852,7 @@
           <a:p>
             <a:fld id="{38EEC551-8CDA-4EB6-89BB-2A86C9F091C8}" type="datetime8">
               <a:rPr lang="en-US" smtClean="0"/>
-              <a:t>2/14/2022 7:51 PM</a:t>
+              <a:t>2/21/2022 9:01 PM</a:t>
             </a:fld>
             <a:endParaRPr lang="en-US"/>
           </a:p>
@@ -945,7 +1020,7 @@
           <a:p>
             <a:fld id="{38EEC551-8CDA-4EB6-89BB-2A86C9F091C8}" type="datetime8">
               <a:rPr lang="en-US" smtClean="0"/>
-              <a:t>2/14/2022 7:51 PM</a:t>
+              <a:t>2/21/2022 9:01 PM</a:t>
             </a:fld>
             <a:endParaRPr lang="en-US"/>
           </a:p>
@@ -1144,6 +1219,171 @@
     <p:extLst>
       <p:ext uri="{BB962C8B-B14F-4D97-AF65-F5344CB8AC3E}">
         <p14:creationId xmlns:p14="http://schemas.microsoft.com/office/powerpoint/2010/main" val="1074288912"/>
+      </p:ext>
+    </p:extLst>
+  </p:cSld>
+  <p:clrMapOvr>
+    <a:masterClrMapping/>
+  </p:clrMapOvr>
+</p:notes>
+</file>
+
+<file path=ppt/notesSlides/notesSlide6.xml><?xml version="1.0" encoding="utf-8"?>
+<p:notes xmlns:a="http://schemas.openxmlformats.org/drawingml/2006/main" xmlns:r="http://schemas.openxmlformats.org/officeDocument/2006/relationships" xmlns:p="http://schemas.openxmlformats.org/presentationml/2006/main">
+  <p:cSld>
+    <p:spTree>
+      <p:nvGrpSpPr>
+        <p:cNvPr id="1" name=""/>
+        <p:cNvGrpSpPr/>
+        <p:nvPr/>
+      </p:nvGrpSpPr>
+      <p:grpSpPr>
+        <a:xfrm>
+          <a:off x="0" y="0"/>
+          <a:ext cx="0" cy="0"/>
+          <a:chOff x="0" y="0"/>
+          <a:chExt cx="0" cy="0"/>
+        </a:xfrm>
+      </p:grpSpPr>
+      <p:sp>
+        <p:nvSpPr>
+          <p:cNvPr id="2" name="Slide Image Placeholder 1"/>
+          <p:cNvSpPr>
+            <a:spLocks noGrp="1" noRot="1" noChangeAspect="1"/>
+          </p:cNvSpPr>
+          <p:nvPr>
+            <p:ph type="sldImg"/>
+          </p:nvPr>
+        </p:nvSpPr>
+        <p:spPr/>
+      </p:sp>
+      <p:sp>
+        <p:nvSpPr>
+          <p:cNvPr id="3" name="Notes Placeholder 2"/>
+          <p:cNvSpPr>
+            <a:spLocks noGrp="1"/>
+          </p:cNvSpPr>
+          <p:nvPr>
+            <p:ph type="body" idx="1"/>
+          </p:nvPr>
+        </p:nvSpPr>
+        <p:spPr/>
+        <p:txBody>
+          <a:bodyPr/>
+          <a:lstStyle/>
+          <a:p>
+            <a:r>
+              <a:rPr lang="en-GB" dirty="0" err="1"/>
+              <a:t>Goto</a:t>
+            </a:r>
+            <a:r>
+              <a:rPr lang="en-GB" dirty="0"/>
+              <a:t> blog and walk through how to build this report.</a:t>
+            </a:r>
+          </a:p>
+          <a:p>
+            <a:r>
+              <a:rPr lang="en-GB" dirty="0"/>
+              <a:t>|Blank .</a:t>
+            </a:r>
+            <a:r>
+              <a:rPr lang="en-GB" dirty="0" err="1"/>
+              <a:t>pbix</a:t>
+            </a:r>
+            <a:r>
+              <a:rPr lang="en-GB" dirty="0"/>
+              <a:t> file on main screen ‘ Try a sample Dataset’</a:t>
+            </a:r>
+          </a:p>
+          <a:p>
+            <a:r>
+              <a:rPr lang="en-GB" dirty="0"/>
+              <a:t>Prepare date in PQE</a:t>
+            </a:r>
+          </a:p>
+          <a:p>
+            <a:r>
+              <a:rPr lang="en-GB" dirty="0"/>
+              <a:t>Units Sold make whole number</a:t>
+            </a:r>
+          </a:p>
+          <a:p>
+            <a:r>
+              <a:rPr lang="en-GB" dirty="0"/>
+              <a:t>Segment column use Transform&gt;Format&gt;UPPERCASE</a:t>
+            </a:r>
+          </a:p>
+          <a:p>
+            <a:r>
+              <a:rPr lang="en-GB" dirty="0"/>
+              <a:t>Rename column ‘Month Name’ to Month</a:t>
+            </a:r>
+          </a:p>
+          <a:p>
+            <a:r>
+              <a:rPr lang="en-GB" dirty="0"/>
+              <a:t>Product column remove ‘Montana’</a:t>
+            </a:r>
+          </a:p>
+          <a:p>
+            <a:r>
+              <a:rPr lang="en-GB" dirty="0"/>
+              <a:t>Review Applied Steps</a:t>
+            </a:r>
+          </a:p>
+          <a:p>
+            <a:r>
+              <a:rPr lang="en-GB" dirty="0"/>
+              <a:t>Close &amp; Apply</a:t>
+            </a:r>
+          </a:p>
+          <a:p>
+            <a:endParaRPr lang="en-GB" dirty="0"/>
+          </a:p>
+          <a:p>
+            <a:r>
+              <a:rPr lang="en-GB" dirty="0"/>
+              <a:t>Build report as per the blog</a:t>
+            </a:r>
+          </a:p>
+          <a:p>
+            <a:endParaRPr lang="en-GB" dirty="0"/>
+          </a:p>
+          <a:p>
+            <a:endParaRPr lang="en-GB" dirty="0"/>
+          </a:p>
+          <a:p>
+            <a:endParaRPr lang="en-GB" dirty="0"/>
+          </a:p>
+        </p:txBody>
+      </p:sp>
+      <p:sp>
+        <p:nvSpPr>
+          <p:cNvPr id="4" name="Slide Number Placeholder 3"/>
+          <p:cNvSpPr>
+            <a:spLocks noGrp="1"/>
+          </p:cNvSpPr>
+          <p:nvPr>
+            <p:ph type="sldNum" sz="quarter" idx="5"/>
+          </p:nvPr>
+        </p:nvSpPr>
+        <p:spPr/>
+        <p:txBody>
+          <a:bodyPr/>
+          <a:lstStyle/>
+          <a:p>
+            <a:fld id="{570CADB5-E544-48EA-AB0B-798B2BA47965}" type="slidenum">
+              <a:rPr lang="en-GB" smtClean="0"/>
+              <a:t>27</a:t>
+            </a:fld>
+            <a:endParaRPr lang="en-GB"/>
+          </a:p>
+        </p:txBody>
+      </p:sp>
+    </p:spTree>
+    <p:extLst>
+      <p:ext uri="{BB962C8B-B14F-4D97-AF65-F5344CB8AC3E}">
+        <p14:creationId xmlns:p14="http://schemas.microsoft.com/office/powerpoint/2010/main" val="1458182101"/>
       </p:ext>
     </p:extLst>
   </p:cSld>
@@ -1302,7 +1542,7 @@
           <a:p>
             <a:fld id="{9A05717A-43FD-48B0-AB14-939612D67993}" type="datetimeFigureOut">
               <a:rPr lang="en-GB" smtClean="0"/>
-              <a:t>14/02/2022</a:t>
+              <a:t>21/02/2022</a:t>
             </a:fld>
             <a:endParaRPr lang="en-GB"/>
           </a:p>
@@ -1502,7 +1742,7 @@
           <a:p>
             <a:fld id="{9A05717A-43FD-48B0-AB14-939612D67993}" type="datetimeFigureOut">
               <a:rPr lang="en-GB" smtClean="0"/>
-              <a:t>14/02/2022</a:t>
+              <a:t>21/02/2022</a:t>
             </a:fld>
             <a:endParaRPr lang="en-GB"/>
           </a:p>
@@ -1712,7 +1952,7 @@
           <a:p>
             <a:fld id="{9A05717A-43FD-48B0-AB14-939612D67993}" type="datetimeFigureOut">
               <a:rPr lang="en-GB" smtClean="0"/>
-              <a:t>14/02/2022</a:t>
+              <a:t>21/02/2022</a:t>
             </a:fld>
             <a:endParaRPr lang="en-GB"/>
           </a:p>
@@ -1990,7 +2230,7 @@
           <a:p>
             <a:fld id="{9A05717A-43FD-48B0-AB14-939612D67993}" type="datetimeFigureOut">
               <a:rPr lang="en-GB" smtClean="0"/>
-              <a:t>14/02/2022</a:t>
+              <a:t>21/02/2022</a:t>
             </a:fld>
             <a:endParaRPr lang="en-GB"/>
           </a:p>
@@ -2266,7 +2506,7 @@
           <a:p>
             <a:fld id="{9A05717A-43FD-48B0-AB14-939612D67993}" type="datetimeFigureOut">
               <a:rPr lang="en-GB" smtClean="0"/>
-              <a:t>14/02/2022</a:t>
+              <a:t>21/02/2022</a:t>
             </a:fld>
             <a:endParaRPr lang="en-GB"/>
           </a:p>
@@ -2534,7 +2774,7 @@
           <a:p>
             <a:fld id="{9A05717A-43FD-48B0-AB14-939612D67993}" type="datetimeFigureOut">
               <a:rPr lang="en-GB" smtClean="0"/>
-              <a:t>14/02/2022</a:t>
+              <a:t>21/02/2022</a:t>
             </a:fld>
             <a:endParaRPr lang="en-GB"/>
           </a:p>
@@ -2949,7 +3189,7 @@
           <a:p>
             <a:fld id="{9A05717A-43FD-48B0-AB14-939612D67993}" type="datetimeFigureOut">
               <a:rPr lang="en-GB" smtClean="0"/>
-              <a:t>14/02/2022</a:t>
+              <a:t>21/02/2022</a:t>
             </a:fld>
             <a:endParaRPr lang="en-GB"/>
           </a:p>
@@ -3091,7 +3331,7 @@
           <a:p>
             <a:fld id="{9A05717A-43FD-48B0-AB14-939612D67993}" type="datetimeFigureOut">
               <a:rPr lang="en-GB" smtClean="0"/>
-              <a:t>14/02/2022</a:t>
+              <a:t>21/02/2022</a:t>
             </a:fld>
             <a:endParaRPr lang="en-GB"/>
           </a:p>
@@ -3204,7 +3444,7 @@
           <a:p>
             <a:fld id="{9A05717A-43FD-48B0-AB14-939612D67993}" type="datetimeFigureOut">
               <a:rPr lang="en-GB" smtClean="0"/>
-              <a:t>14/02/2022</a:t>
+              <a:t>21/02/2022</a:t>
             </a:fld>
             <a:endParaRPr lang="en-GB"/>
           </a:p>
@@ -3517,7 +3757,7 @@
           <a:p>
             <a:fld id="{9A05717A-43FD-48B0-AB14-939612D67993}" type="datetimeFigureOut">
               <a:rPr lang="en-GB" smtClean="0"/>
-              <a:t>14/02/2022</a:t>
+              <a:t>21/02/2022</a:t>
             </a:fld>
             <a:endParaRPr lang="en-GB"/>
           </a:p>
@@ -3806,7 +4046,7 @@
           <a:p>
             <a:fld id="{9A05717A-43FD-48B0-AB14-939612D67993}" type="datetimeFigureOut">
               <a:rPr lang="en-GB" smtClean="0"/>
-              <a:t>14/02/2022</a:t>
+              <a:t>21/02/2022</a:t>
             </a:fld>
             <a:endParaRPr lang="en-GB"/>
           </a:p>
@@ -4049,7 +4289,7 @@
           <a:p>
             <a:fld id="{9A05717A-43FD-48B0-AB14-939612D67993}" type="datetimeFigureOut">
               <a:rPr lang="en-GB" smtClean="0"/>
-              <a:t>14/02/2022</a:t>
+              <a:t>21/02/2022</a:t>
             </a:fld>
             <a:endParaRPr lang="en-GB"/>
           </a:p>
@@ -6359,6 +6599,36 @@
           </a:p>
         </p:txBody>
       </p:sp>
+      <p:pic>
+        <p:nvPicPr>
+          <p:cNvPr id="5" name="Picture 4">
+            <a:extLst>
+              <a:ext uri="{FF2B5EF4-FFF2-40B4-BE49-F238E27FC236}">
+                <a16:creationId xmlns:a16="http://schemas.microsoft.com/office/drawing/2014/main" id="{A315F0D4-A3C0-472B-8651-3756A7F73CCD}"/>
+              </a:ext>
+            </a:extLst>
+          </p:cNvPr>
+          <p:cNvPicPr>
+            <a:picLocks noChangeAspect="1"/>
+          </p:cNvPicPr>
+          <p:nvPr/>
+        </p:nvPicPr>
+        <p:blipFill>
+          <a:blip r:embed="rId2"/>
+          <a:stretch>
+            <a:fillRect/>
+          </a:stretch>
+        </p:blipFill>
+        <p:spPr>
+          <a:xfrm>
+            <a:off x="591127" y="3048001"/>
+            <a:ext cx="10595214" cy="2838718"/>
+          </a:xfrm>
+          <a:prstGeom prst="rect">
+            <a:avLst/>
+          </a:prstGeom>
+        </p:spPr>
+      </p:pic>
     </p:spTree>
     <p:extLst>
       <p:ext uri="{BB962C8B-B14F-4D97-AF65-F5344CB8AC3E}">
@@ -6728,6 +6998,1488 @@
 </p:sld>
 </file>
 
+<file path=ppt/slides/slide23.xml><?xml version="1.0" encoding="utf-8"?>
+<p:sld xmlns:a="http://schemas.openxmlformats.org/drawingml/2006/main" xmlns:r="http://schemas.openxmlformats.org/officeDocument/2006/relationships" xmlns:p="http://schemas.openxmlformats.org/presentationml/2006/main">
+  <p:cSld>
+    <p:spTree>
+      <p:nvGrpSpPr>
+        <p:cNvPr id="1" name=""/>
+        <p:cNvGrpSpPr/>
+        <p:nvPr/>
+      </p:nvGrpSpPr>
+      <p:grpSpPr>
+        <a:xfrm>
+          <a:off x="0" y="0"/>
+          <a:ext cx="0" cy="0"/>
+          <a:chOff x="0" y="0"/>
+          <a:chExt cx="0" cy="0"/>
+        </a:xfrm>
+      </p:grpSpPr>
+      <p:sp>
+        <p:nvSpPr>
+          <p:cNvPr id="2" name="Title 1">
+            <a:extLst>
+              <a:ext uri="{FF2B5EF4-FFF2-40B4-BE49-F238E27FC236}">
+                <a16:creationId xmlns:a16="http://schemas.microsoft.com/office/drawing/2014/main" id="{601D5A8E-43FA-4761-8122-FE5FA634E76A}"/>
+              </a:ext>
+            </a:extLst>
+          </p:cNvPr>
+          <p:cNvSpPr>
+            <a:spLocks noGrp="1"/>
+          </p:cNvSpPr>
+          <p:nvPr>
+            <p:ph type="title"/>
+          </p:nvPr>
+        </p:nvSpPr>
+        <p:spPr/>
+        <p:txBody>
+          <a:bodyPr/>
+          <a:lstStyle/>
+          <a:p>
+            <a:r>
+              <a:rPr lang="en-GB" dirty="0"/>
+              <a:t>Lesson 2</a:t>
+            </a:r>
+          </a:p>
+        </p:txBody>
+      </p:sp>
+      <p:sp>
+        <p:nvSpPr>
+          <p:cNvPr id="3" name="Content Placeholder 2">
+            <a:extLst>
+              <a:ext uri="{FF2B5EF4-FFF2-40B4-BE49-F238E27FC236}">
+                <a16:creationId xmlns:a16="http://schemas.microsoft.com/office/drawing/2014/main" id="{2A2B1601-FED7-456F-9962-5B20B00721B2}"/>
+              </a:ext>
+            </a:extLst>
+          </p:cNvPr>
+          <p:cNvSpPr>
+            <a:spLocks noGrp="1"/>
+          </p:cNvSpPr>
+          <p:nvPr>
+            <p:ph idx="1"/>
+          </p:nvPr>
+        </p:nvSpPr>
+        <p:spPr/>
+        <p:txBody>
+          <a:bodyPr/>
+          <a:lstStyle/>
+          <a:p>
+            <a:endParaRPr lang="en-GB" dirty="0"/>
+          </a:p>
+        </p:txBody>
+      </p:sp>
+    </p:spTree>
+    <p:extLst>
+      <p:ext uri="{BB962C8B-B14F-4D97-AF65-F5344CB8AC3E}">
+        <p14:creationId xmlns:p14="http://schemas.microsoft.com/office/powerpoint/2010/main" val="2902969142"/>
+      </p:ext>
+    </p:extLst>
+  </p:cSld>
+  <p:clrMapOvr>
+    <a:masterClrMapping/>
+  </p:clrMapOvr>
+</p:sld>
+</file>
+
+<file path=ppt/slides/slide24.xml><?xml version="1.0" encoding="utf-8"?>
+<p:sld xmlns:a="http://schemas.openxmlformats.org/drawingml/2006/main" xmlns:r="http://schemas.openxmlformats.org/officeDocument/2006/relationships" xmlns:p="http://schemas.openxmlformats.org/presentationml/2006/main">
+  <p:cSld>
+    <p:spTree>
+      <p:nvGrpSpPr>
+        <p:cNvPr id="1" name=""/>
+        <p:cNvGrpSpPr/>
+        <p:nvPr/>
+      </p:nvGrpSpPr>
+      <p:grpSpPr>
+        <a:xfrm>
+          <a:off x="0" y="0"/>
+          <a:ext cx="0" cy="0"/>
+          <a:chOff x="0" y="0"/>
+          <a:chExt cx="0" cy="0"/>
+        </a:xfrm>
+      </p:grpSpPr>
+      <p:sp>
+        <p:nvSpPr>
+          <p:cNvPr id="4" name="TextBox 3">
+            <a:extLst>
+              <a:ext uri="{FF2B5EF4-FFF2-40B4-BE49-F238E27FC236}">
+                <a16:creationId xmlns:a16="http://schemas.microsoft.com/office/drawing/2014/main" id="{0D009318-34ED-49EB-AE04-BFB438B5A519}"/>
+              </a:ext>
+            </a:extLst>
+          </p:cNvPr>
+          <p:cNvSpPr txBox="1"/>
+          <p:nvPr/>
+        </p:nvSpPr>
+        <p:spPr>
+          <a:xfrm>
+            <a:off x="1051263" y="543752"/>
+            <a:ext cx="10681707" cy="707886"/>
+          </a:xfrm>
+          <a:prstGeom prst="rect">
+            <a:avLst/>
+          </a:prstGeom>
+          <a:solidFill>
+            <a:schemeClr val="tx1">
+              <a:lumMod val="65000"/>
+              <a:lumOff val="35000"/>
+            </a:schemeClr>
+          </a:solidFill>
+        </p:spPr>
+        <p:txBody>
+          <a:bodyPr wrap="square" rtlCol="0">
+            <a:spAutoFit/>
+          </a:bodyPr>
+          <a:lstStyle/>
+          <a:p>
+            <a:pPr algn="ctr"/>
+            <a:r>
+              <a:rPr lang="en-GB" sz="4000" dirty="0">
+                <a:solidFill>
+                  <a:schemeClr val="bg1"/>
+                </a:solidFill>
+              </a:rPr>
+              <a:t>Introduction to Power BI free online training</a:t>
+            </a:r>
+            <a:endParaRPr lang="en-GB" sz="3600" dirty="0">
+              <a:solidFill>
+                <a:schemeClr val="bg1"/>
+              </a:solidFill>
+            </a:endParaRPr>
+          </a:p>
+        </p:txBody>
+      </p:sp>
+      <p:sp>
+        <p:nvSpPr>
+          <p:cNvPr id="11" name="TextBox 10">
+            <a:extLst>
+              <a:ext uri="{FF2B5EF4-FFF2-40B4-BE49-F238E27FC236}">
+                <a16:creationId xmlns:a16="http://schemas.microsoft.com/office/drawing/2014/main" id="{74ABBA3D-C7C0-4F0E-BBF0-9A5B5B67D08B}"/>
+              </a:ext>
+            </a:extLst>
+          </p:cNvPr>
+          <p:cNvSpPr txBox="1"/>
+          <p:nvPr/>
+        </p:nvSpPr>
+        <p:spPr>
+          <a:xfrm>
+            <a:off x="1051264" y="1423396"/>
+            <a:ext cx="5044736" cy="3416320"/>
+          </a:xfrm>
+          <a:prstGeom prst="rect">
+            <a:avLst/>
+          </a:prstGeom>
+          <a:solidFill>
+            <a:schemeClr val="accent4"/>
+          </a:solidFill>
+        </p:spPr>
+        <p:txBody>
+          <a:bodyPr wrap="square" rtlCol="0">
+            <a:spAutoFit/>
+          </a:bodyPr>
+          <a:lstStyle/>
+          <a:p>
+            <a:pPr algn="ctr"/>
+            <a:r>
+              <a:rPr lang="en-GB" sz="5400" dirty="0"/>
+              <a:t>2 - Build your 1</a:t>
+            </a:r>
+            <a:r>
+              <a:rPr lang="en-GB" sz="5400" baseline="30000" dirty="0"/>
+              <a:t>st</a:t>
+            </a:r>
+            <a:r>
+              <a:rPr lang="en-GB" sz="5400" dirty="0"/>
+              <a:t> Power BI report. </a:t>
+            </a:r>
+          </a:p>
+          <a:p>
+            <a:pPr algn="ctr"/>
+            <a:r>
+              <a:rPr lang="en-GB" sz="5400" dirty="0"/>
+              <a:t>DA-100 &amp; PL-300</a:t>
+            </a:r>
+          </a:p>
+          <a:p>
+            <a:pPr algn="ctr"/>
+            <a:r>
+              <a:rPr lang="en-GB" sz="5400" dirty="0"/>
+              <a:t>syllabus</a:t>
+            </a:r>
+          </a:p>
+        </p:txBody>
+      </p:sp>
+      <p:sp>
+        <p:nvSpPr>
+          <p:cNvPr id="12" name="TextBox 11">
+            <a:extLst>
+              <a:ext uri="{FF2B5EF4-FFF2-40B4-BE49-F238E27FC236}">
+                <a16:creationId xmlns:a16="http://schemas.microsoft.com/office/drawing/2014/main" id="{E0E5AD75-6BDE-45F0-AA61-2986449B1B81}"/>
+              </a:ext>
+            </a:extLst>
+          </p:cNvPr>
+          <p:cNvSpPr txBox="1"/>
+          <p:nvPr/>
+        </p:nvSpPr>
+        <p:spPr>
+          <a:xfrm>
+            <a:off x="1051264" y="4978400"/>
+            <a:ext cx="5044736" cy="1754326"/>
+          </a:xfrm>
+          <a:prstGeom prst="rect">
+            <a:avLst/>
+          </a:prstGeom>
+          <a:solidFill>
+            <a:schemeClr val="tx1"/>
+          </a:solidFill>
+        </p:spPr>
+        <p:txBody>
+          <a:bodyPr wrap="square" rtlCol="0">
+            <a:spAutoFit/>
+          </a:bodyPr>
+          <a:lstStyle/>
+          <a:p>
+            <a:pPr algn="ctr"/>
+            <a:r>
+              <a:rPr lang="en-GB" sz="4800" dirty="0">
+                <a:solidFill>
+                  <a:schemeClr val="bg1"/>
+                </a:solidFill>
+              </a:rPr>
+              <a:t>Monday 21</a:t>
+            </a:r>
+            <a:r>
+              <a:rPr lang="en-GB" sz="4800" baseline="30000" dirty="0">
+                <a:solidFill>
+                  <a:schemeClr val="bg1"/>
+                </a:solidFill>
+              </a:rPr>
+              <a:t>st</a:t>
+            </a:r>
+            <a:r>
+              <a:rPr lang="en-GB" sz="4800" dirty="0">
+                <a:solidFill>
+                  <a:schemeClr val="bg1"/>
+                </a:solidFill>
+              </a:rPr>
+              <a:t> FEB</a:t>
+            </a:r>
+            <a:r>
+              <a:rPr lang="en-GB" sz="5400" dirty="0">
+                <a:solidFill>
+                  <a:schemeClr val="bg1"/>
+                </a:solidFill>
+              </a:rPr>
+              <a:t> </a:t>
+            </a:r>
+          </a:p>
+          <a:p>
+            <a:pPr algn="ctr"/>
+            <a:r>
+              <a:rPr lang="en-GB" sz="5400" dirty="0">
+                <a:solidFill>
+                  <a:schemeClr val="bg1"/>
+                </a:solidFill>
+              </a:rPr>
+              <a:t>20:00 GMT</a:t>
+            </a:r>
+          </a:p>
+        </p:txBody>
+      </p:sp>
+      <p:pic>
+        <p:nvPicPr>
+          <p:cNvPr id="7" name="Picture 6">
+            <a:extLst>
+              <a:ext uri="{FF2B5EF4-FFF2-40B4-BE49-F238E27FC236}">
+                <a16:creationId xmlns:a16="http://schemas.microsoft.com/office/drawing/2014/main" id="{50B622A6-A08F-4576-837E-D27AC4AC2361}"/>
+              </a:ext>
+            </a:extLst>
+          </p:cNvPr>
+          <p:cNvPicPr>
+            <a:picLocks noChangeAspect="1"/>
+          </p:cNvPicPr>
+          <p:nvPr/>
+        </p:nvPicPr>
+        <p:blipFill>
+          <a:blip r:embed="rId2"/>
+          <a:stretch>
+            <a:fillRect/>
+          </a:stretch>
+        </p:blipFill>
+        <p:spPr>
+          <a:xfrm>
+            <a:off x="6096000" y="1380612"/>
+            <a:ext cx="5447323" cy="5352114"/>
+          </a:xfrm>
+          <a:prstGeom prst="rect">
+            <a:avLst/>
+          </a:prstGeom>
+        </p:spPr>
+      </p:pic>
+    </p:spTree>
+    <p:extLst>
+      <p:ext uri="{BB962C8B-B14F-4D97-AF65-F5344CB8AC3E}">
+        <p14:creationId xmlns:p14="http://schemas.microsoft.com/office/powerpoint/2010/main" val="2330396292"/>
+      </p:ext>
+    </p:extLst>
+  </p:cSld>
+  <p:clrMapOvr>
+    <a:masterClrMapping/>
+  </p:clrMapOvr>
+</p:sld>
+</file>
+
+<file path=ppt/slides/slide25.xml><?xml version="1.0" encoding="utf-8"?>
+<p:sld xmlns:a="http://schemas.openxmlformats.org/drawingml/2006/main" xmlns:r="http://schemas.openxmlformats.org/officeDocument/2006/relationships" xmlns:p="http://schemas.openxmlformats.org/presentationml/2006/main">
+  <p:cSld>
+    <p:spTree>
+      <p:nvGrpSpPr>
+        <p:cNvPr id="1" name=""/>
+        <p:cNvGrpSpPr/>
+        <p:nvPr/>
+      </p:nvGrpSpPr>
+      <p:grpSpPr>
+        <a:xfrm>
+          <a:off x="0" y="0"/>
+          <a:ext cx="0" cy="0"/>
+          <a:chOff x="0" y="0"/>
+          <a:chExt cx="0" cy="0"/>
+        </a:xfrm>
+      </p:grpSpPr>
+      <p:sp>
+        <p:nvSpPr>
+          <p:cNvPr id="3" name="Content Placeholder 2">
+            <a:extLst>
+              <a:ext uri="{FF2B5EF4-FFF2-40B4-BE49-F238E27FC236}">
+                <a16:creationId xmlns:a16="http://schemas.microsoft.com/office/drawing/2014/main" id="{40963E1F-A60C-4F59-9E1F-8008ED3E9CA9}"/>
+              </a:ext>
+            </a:extLst>
+          </p:cNvPr>
+          <p:cNvSpPr>
+            <a:spLocks noGrp="1"/>
+          </p:cNvSpPr>
+          <p:nvPr>
+            <p:ph idx="1"/>
+          </p:nvPr>
+        </p:nvSpPr>
+        <p:spPr>
+          <a:xfrm>
+            <a:off x="838200" y="1960881"/>
+            <a:ext cx="10515600" cy="3189458"/>
+          </a:xfrm>
+        </p:spPr>
+        <p:txBody>
+          <a:bodyPr>
+            <a:normAutofit/>
+          </a:bodyPr>
+          <a:lstStyle/>
+          <a:p>
+            <a:r>
+              <a:rPr lang="en-GB" dirty="0"/>
+              <a:t>Recording on </a:t>
+            </a:r>
+            <a:r>
+              <a:rPr lang="en-GB" dirty="0" err="1"/>
+              <a:t>Youtube</a:t>
+            </a:r>
+            <a:r>
+              <a:rPr lang="en-GB" dirty="0"/>
+              <a:t>. Leave if not happy to be recorded</a:t>
+            </a:r>
+          </a:p>
+          <a:p>
+            <a:r>
+              <a:rPr lang="en-GB" dirty="0"/>
+              <a:t>Each session sign up on Meetup.com for the live call</a:t>
+            </a:r>
+          </a:p>
+          <a:p>
+            <a:r>
+              <a:rPr lang="en-GB" dirty="0"/>
+              <a:t>Each session will be a new Zoom link</a:t>
+            </a:r>
+          </a:p>
+          <a:p>
+            <a:r>
+              <a:rPr lang="en-GB" dirty="0"/>
+              <a:t>Questions into the chat or raise your hand</a:t>
+            </a:r>
+          </a:p>
+          <a:p>
+            <a:r>
+              <a:rPr lang="en-GB" dirty="0"/>
+              <a:t>All sessions available on YouTube</a:t>
+            </a:r>
+          </a:p>
+          <a:p>
+            <a:r>
+              <a:rPr lang="en-GB" dirty="0"/>
+              <a:t>Microphones on mute….you are been recorded !!</a:t>
+            </a:r>
+          </a:p>
+        </p:txBody>
+      </p:sp>
+      <p:sp>
+        <p:nvSpPr>
+          <p:cNvPr id="4" name="TextBox 3">
+            <a:extLst>
+              <a:ext uri="{FF2B5EF4-FFF2-40B4-BE49-F238E27FC236}">
+                <a16:creationId xmlns:a16="http://schemas.microsoft.com/office/drawing/2014/main" id="{0D009318-34ED-49EB-AE04-BFB438B5A519}"/>
+              </a:ext>
+            </a:extLst>
+          </p:cNvPr>
+          <p:cNvSpPr txBox="1"/>
+          <p:nvPr/>
+        </p:nvSpPr>
+        <p:spPr>
+          <a:xfrm>
+            <a:off x="838200" y="117474"/>
+            <a:ext cx="10515600" cy="1354217"/>
+          </a:xfrm>
+          <a:prstGeom prst="rect">
+            <a:avLst/>
+          </a:prstGeom>
+          <a:solidFill>
+            <a:schemeClr val="tx1">
+              <a:lumMod val="65000"/>
+              <a:lumOff val="35000"/>
+            </a:schemeClr>
+          </a:solidFill>
+        </p:spPr>
+        <p:txBody>
+          <a:bodyPr wrap="square" rtlCol="0">
+            <a:spAutoFit/>
+          </a:bodyPr>
+          <a:lstStyle/>
+          <a:p>
+            <a:pPr algn="ctr"/>
+            <a:r>
+              <a:rPr lang="en-GB" sz="4000" dirty="0">
+                <a:solidFill>
+                  <a:schemeClr val="bg1"/>
+                </a:solidFill>
+              </a:rPr>
+              <a:t>Power BI</a:t>
+            </a:r>
+            <a:endParaRPr lang="en-GB" sz="2400" dirty="0">
+              <a:solidFill>
+                <a:schemeClr val="bg1"/>
+              </a:solidFill>
+            </a:endParaRPr>
+          </a:p>
+          <a:p>
+            <a:pPr algn="ctr"/>
+            <a:r>
+              <a:rPr lang="en-GB" sz="2400" dirty="0">
+                <a:solidFill>
+                  <a:schemeClr val="bg1"/>
+                </a:solidFill>
+              </a:rPr>
+              <a:t>Introduction to Power BI and your first Power BI report.</a:t>
+            </a:r>
+          </a:p>
+          <a:p>
+            <a:pPr algn="ctr"/>
+            <a:endParaRPr lang="en-GB" dirty="0">
+              <a:solidFill>
+                <a:schemeClr val="bg1"/>
+              </a:solidFill>
+            </a:endParaRPr>
+          </a:p>
+        </p:txBody>
+      </p:sp>
+      <p:pic>
+        <p:nvPicPr>
+          <p:cNvPr id="5" name="Content Placeholder 4">
+            <a:extLst>
+              <a:ext uri="{FF2B5EF4-FFF2-40B4-BE49-F238E27FC236}">
+                <a16:creationId xmlns:a16="http://schemas.microsoft.com/office/drawing/2014/main" id="{4269D105-DF79-4155-8D48-871BC7889B59}"/>
+              </a:ext>
+            </a:extLst>
+          </p:cNvPr>
+          <p:cNvPicPr>
+            <a:picLocks noChangeAspect="1"/>
+          </p:cNvPicPr>
+          <p:nvPr/>
+        </p:nvPicPr>
+        <p:blipFill>
+          <a:blip r:embed="rId2">
+            <a:extLst>
+              <a:ext uri="{28A0092B-C50C-407E-A947-70E740481C1C}">
+                <a14:useLocalDpi xmlns:a14="http://schemas.microsoft.com/office/drawing/2010/main" val="0"/>
+              </a:ext>
+            </a:extLst>
+          </a:blip>
+          <a:stretch>
+            <a:fillRect/>
+          </a:stretch>
+        </p:blipFill>
+        <p:spPr>
+          <a:xfrm>
+            <a:off x="9683527" y="5953125"/>
+            <a:ext cx="2383530" cy="786624"/>
+          </a:xfrm>
+          <a:prstGeom prst="rect">
+            <a:avLst/>
+          </a:prstGeom>
+        </p:spPr>
+      </p:pic>
+    </p:spTree>
+    <p:extLst>
+      <p:ext uri="{BB962C8B-B14F-4D97-AF65-F5344CB8AC3E}">
+        <p14:creationId xmlns:p14="http://schemas.microsoft.com/office/powerpoint/2010/main" val="1189326755"/>
+      </p:ext>
+    </p:extLst>
+  </p:cSld>
+  <p:clrMapOvr>
+    <a:masterClrMapping/>
+  </p:clrMapOvr>
+</p:sld>
+</file>
+
+<file path=ppt/slides/slide26.xml><?xml version="1.0" encoding="utf-8"?>
+<p:sld xmlns:a="http://schemas.openxmlformats.org/drawingml/2006/main" xmlns:r="http://schemas.openxmlformats.org/officeDocument/2006/relationships" xmlns:p="http://schemas.openxmlformats.org/presentationml/2006/main">
+  <p:cSld>
+    <p:spTree>
+      <p:nvGrpSpPr>
+        <p:cNvPr id="1" name=""/>
+        <p:cNvGrpSpPr/>
+        <p:nvPr/>
+      </p:nvGrpSpPr>
+      <p:grpSpPr>
+        <a:xfrm>
+          <a:off x="0" y="0"/>
+          <a:ext cx="0" cy="0"/>
+          <a:chOff x="0" y="0"/>
+          <a:chExt cx="0" cy="0"/>
+        </a:xfrm>
+      </p:grpSpPr>
+      <p:sp>
+        <p:nvSpPr>
+          <p:cNvPr id="3" name="Content Placeholder 2">
+            <a:extLst>
+              <a:ext uri="{FF2B5EF4-FFF2-40B4-BE49-F238E27FC236}">
+                <a16:creationId xmlns:a16="http://schemas.microsoft.com/office/drawing/2014/main" id="{ED09CB35-4485-4D54-83B6-97DF497CD8E9}"/>
+              </a:ext>
+            </a:extLst>
+          </p:cNvPr>
+          <p:cNvSpPr>
+            <a:spLocks noGrp="1"/>
+          </p:cNvSpPr>
+          <p:nvPr>
+            <p:ph idx="1"/>
+          </p:nvPr>
+        </p:nvSpPr>
+        <p:spPr>
+          <a:xfrm>
+            <a:off x="838200" y="1467094"/>
+            <a:ext cx="10515600" cy="5003484"/>
+          </a:xfrm>
+        </p:spPr>
+        <p:txBody>
+          <a:bodyPr>
+            <a:normAutofit fontScale="92500" lnSpcReduction="20000"/>
+          </a:bodyPr>
+          <a:lstStyle/>
+          <a:p>
+            <a:pPr>
+              <a:lnSpc>
+                <a:spcPct val="107000"/>
+              </a:lnSpc>
+              <a:spcAft>
+                <a:spcPts val="800"/>
+              </a:spcAft>
+            </a:pPr>
+            <a:r>
+              <a:rPr lang="en-GB" sz="1800" dirty="0">
+                <a:effectLst/>
+                <a:latin typeface="Calibri" panose="020F0502020204030204" pitchFamily="34" charset="0"/>
+                <a:ea typeface="Calibri" panose="020F0502020204030204" pitchFamily="34" charset="0"/>
+                <a:cs typeface="Times New Roman" panose="02020603050405020304" pitchFamily="18" charset="0"/>
+              </a:rPr>
+              <a:t>Introduction to Power BI and your first Power BI report.</a:t>
+            </a:r>
+          </a:p>
+          <a:p>
+            <a:pPr>
+              <a:lnSpc>
+                <a:spcPct val="107000"/>
+              </a:lnSpc>
+              <a:spcAft>
+                <a:spcPts val="800"/>
+              </a:spcAft>
+            </a:pPr>
+            <a:r>
+              <a:rPr lang="en-GB" sz="1800" dirty="0">
+                <a:effectLst/>
+                <a:latin typeface="Calibri" panose="020F0502020204030204" pitchFamily="34" charset="0"/>
+                <a:ea typeface="Calibri" panose="020F0502020204030204" pitchFamily="34" charset="0"/>
+                <a:cs typeface="Times New Roman" panose="02020603050405020304" pitchFamily="18" charset="0"/>
+              </a:rPr>
+              <a:t>PL-300 syllabus</a:t>
+            </a:r>
+          </a:p>
+          <a:p>
+            <a:pPr>
+              <a:lnSpc>
+                <a:spcPct val="107000"/>
+              </a:lnSpc>
+              <a:spcAft>
+                <a:spcPts val="800"/>
+              </a:spcAft>
+            </a:pPr>
+            <a:r>
+              <a:rPr lang="en-GB" sz="1800" dirty="0">
+                <a:effectLst/>
+                <a:latin typeface="Calibri" panose="020F0502020204030204" pitchFamily="34" charset="0"/>
+                <a:ea typeface="Calibri" panose="020F0502020204030204" pitchFamily="34" charset="0"/>
+                <a:cs typeface="Times New Roman" panose="02020603050405020304" pitchFamily="18" charset="0"/>
+              </a:rPr>
+              <a:t>Use Power Query Editor to get data &amp; prepare your data.</a:t>
+            </a:r>
+          </a:p>
+          <a:p>
+            <a:pPr>
+              <a:lnSpc>
+                <a:spcPct val="107000"/>
+              </a:lnSpc>
+              <a:spcAft>
+                <a:spcPts val="800"/>
+              </a:spcAft>
+            </a:pPr>
+            <a:r>
+              <a:rPr lang="en-GB" sz="1800" dirty="0">
+                <a:effectLst/>
+                <a:latin typeface="Calibri" panose="020F0502020204030204" pitchFamily="34" charset="0"/>
+                <a:ea typeface="Calibri" panose="020F0502020204030204" pitchFamily="34" charset="0"/>
+                <a:cs typeface="Times New Roman" panose="02020603050405020304" pitchFamily="18" charset="0"/>
+              </a:rPr>
+              <a:t>Use Power BI desktop to structure &amp; create </a:t>
+            </a:r>
+            <a:r>
+              <a:rPr lang="en-GB" sz="1800" dirty="0" err="1">
+                <a:effectLst/>
+                <a:latin typeface="Calibri" panose="020F0502020204030204" pitchFamily="34" charset="0"/>
+                <a:ea typeface="Calibri" panose="020F0502020204030204" pitchFamily="34" charset="0"/>
+                <a:cs typeface="Times New Roman" panose="02020603050405020304" pitchFamily="18" charset="0"/>
+              </a:rPr>
+              <a:t>datamodels</a:t>
+            </a:r>
+            <a:r>
+              <a:rPr lang="en-GB" sz="1800" dirty="0">
+                <a:effectLst/>
+                <a:latin typeface="Calibri" panose="020F0502020204030204" pitchFamily="34" charset="0"/>
+                <a:ea typeface="Calibri" panose="020F0502020204030204" pitchFamily="34" charset="0"/>
+                <a:cs typeface="Times New Roman" panose="02020603050405020304" pitchFamily="18" charset="0"/>
+              </a:rPr>
+              <a:t>.</a:t>
+            </a:r>
+          </a:p>
+          <a:p>
+            <a:pPr>
+              <a:lnSpc>
+                <a:spcPct val="107000"/>
+              </a:lnSpc>
+              <a:spcAft>
+                <a:spcPts val="800"/>
+              </a:spcAft>
+            </a:pPr>
+            <a:r>
+              <a:rPr lang="en-GB" sz="1800" dirty="0">
+                <a:effectLst/>
+                <a:latin typeface="Calibri" panose="020F0502020204030204" pitchFamily="34" charset="0"/>
+                <a:ea typeface="Calibri" panose="020F0502020204030204" pitchFamily="34" charset="0"/>
+                <a:cs typeface="Times New Roman" panose="02020603050405020304" pitchFamily="18" charset="0"/>
+              </a:rPr>
+              <a:t>Design &amp; configure Power BI visuals like charts, maps &amp; KPIs.</a:t>
+            </a:r>
+          </a:p>
+          <a:p>
+            <a:pPr>
+              <a:lnSpc>
+                <a:spcPct val="107000"/>
+              </a:lnSpc>
+              <a:spcAft>
+                <a:spcPts val="800"/>
+              </a:spcAft>
+            </a:pPr>
+            <a:r>
+              <a:rPr lang="en-GB" sz="1800" dirty="0">
+                <a:effectLst/>
+                <a:latin typeface="Calibri" panose="020F0502020204030204" pitchFamily="34" charset="0"/>
+                <a:ea typeface="Calibri" panose="020F0502020204030204" pitchFamily="34" charset="0"/>
+                <a:cs typeface="Times New Roman" panose="02020603050405020304" pitchFamily="18" charset="0"/>
+              </a:rPr>
+              <a:t>Add user friendly report navigation features, slicers &amp; tooltips.</a:t>
+            </a:r>
+          </a:p>
+          <a:p>
+            <a:pPr>
+              <a:lnSpc>
+                <a:spcPct val="107000"/>
+              </a:lnSpc>
+              <a:spcAft>
+                <a:spcPts val="800"/>
+              </a:spcAft>
+            </a:pPr>
+            <a:r>
+              <a:rPr lang="en-GB" sz="1800" dirty="0">
+                <a:effectLst/>
+                <a:latin typeface="Calibri" panose="020F0502020204030204" pitchFamily="34" charset="0"/>
+                <a:ea typeface="Calibri" panose="020F0502020204030204" pitchFamily="34" charset="0"/>
+                <a:cs typeface="Times New Roman" panose="02020603050405020304" pitchFamily="18" charset="0"/>
+              </a:rPr>
+              <a:t>Publish &amp; share Power BI reports &amp; dashboards.</a:t>
+            </a:r>
+          </a:p>
+          <a:p>
+            <a:pPr>
+              <a:lnSpc>
+                <a:spcPct val="107000"/>
+              </a:lnSpc>
+              <a:spcAft>
+                <a:spcPts val="800"/>
+              </a:spcAft>
+            </a:pPr>
+            <a:r>
+              <a:rPr lang="en-GB" sz="1800" dirty="0">
+                <a:effectLst/>
+                <a:latin typeface="Calibri" panose="020F0502020204030204" pitchFamily="34" charset="0"/>
+                <a:ea typeface="Calibri" panose="020F0502020204030204" pitchFamily="34" charset="0"/>
+                <a:cs typeface="Times New Roman" panose="02020603050405020304" pitchFamily="18" charset="0"/>
+              </a:rPr>
+              <a:t>Get to grips with Power BI cloud service &amp; mobile features.</a:t>
+            </a:r>
+          </a:p>
+          <a:p>
+            <a:pPr>
+              <a:lnSpc>
+                <a:spcPct val="107000"/>
+              </a:lnSpc>
+              <a:spcAft>
+                <a:spcPts val="800"/>
+              </a:spcAft>
+            </a:pPr>
+            <a:r>
+              <a:rPr lang="en-GB" sz="1800" dirty="0">
+                <a:effectLst/>
+                <a:latin typeface="Calibri" panose="020F0502020204030204" pitchFamily="34" charset="0"/>
+                <a:ea typeface="Calibri" panose="020F0502020204030204" pitchFamily="34" charset="0"/>
+                <a:cs typeface="Times New Roman" panose="02020603050405020304" pitchFamily="18" charset="0"/>
+              </a:rPr>
+              <a:t>Enhance your data with DAX for KPIs reporting. </a:t>
+            </a:r>
+          </a:p>
+          <a:p>
+            <a:pPr>
+              <a:lnSpc>
+                <a:spcPct val="107000"/>
+              </a:lnSpc>
+              <a:spcAft>
+                <a:spcPts val="800"/>
+              </a:spcAft>
+            </a:pPr>
+            <a:r>
+              <a:rPr lang="en-GB" sz="1800" dirty="0">
+                <a:effectLst/>
+                <a:latin typeface="Calibri" panose="020F0502020204030204" pitchFamily="34" charset="0"/>
+                <a:ea typeface="Calibri" panose="020F0502020204030204" pitchFamily="34" charset="0"/>
+                <a:cs typeface="Times New Roman" panose="02020603050405020304" pitchFamily="18" charset="0"/>
+              </a:rPr>
+              <a:t>Data analytics reporting &amp; AI features in Power BI.</a:t>
+            </a:r>
+          </a:p>
+          <a:p>
+            <a:pPr>
+              <a:lnSpc>
+                <a:spcPct val="107000"/>
+              </a:lnSpc>
+              <a:spcAft>
+                <a:spcPts val="800"/>
+              </a:spcAft>
+            </a:pPr>
+            <a:r>
+              <a:rPr lang="en-GB" sz="1800" dirty="0">
+                <a:effectLst/>
+                <a:latin typeface="Calibri" panose="020F0502020204030204" pitchFamily="34" charset="0"/>
+                <a:ea typeface="Calibri" panose="020F0502020204030204" pitchFamily="34" charset="0"/>
+                <a:cs typeface="Times New Roman" panose="02020603050405020304" pitchFamily="18" charset="0"/>
+              </a:rPr>
+              <a:t>Power BI at work with workspaces, datasets &amp; security.</a:t>
+            </a:r>
+          </a:p>
+        </p:txBody>
+      </p:sp>
+      <p:sp>
+        <p:nvSpPr>
+          <p:cNvPr id="4" name="TextBox 3">
+            <a:extLst>
+              <a:ext uri="{FF2B5EF4-FFF2-40B4-BE49-F238E27FC236}">
+                <a16:creationId xmlns:a16="http://schemas.microsoft.com/office/drawing/2014/main" id="{84968ED0-0F69-4685-8664-EEC5A7CF8F67}"/>
+              </a:ext>
+            </a:extLst>
+          </p:cNvPr>
+          <p:cNvSpPr txBox="1"/>
+          <p:nvPr/>
+        </p:nvSpPr>
+        <p:spPr>
+          <a:xfrm>
+            <a:off x="2615049" y="117474"/>
+            <a:ext cx="6961902" cy="1261884"/>
+          </a:xfrm>
+          <a:prstGeom prst="rect">
+            <a:avLst/>
+          </a:prstGeom>
+          <a:solidFill>
+            <a:schemeClr val="tx1">
+              <a:lumMod val="65000"/>
+              <a:lumOff val="35000"/>
+            </a:schemeClr>
+          </a:solidFill>
+        </p:spPr>
+        <p:txBody>
+          <a:bodyPr wrap="square" rtlCol="0">
+            <a:spAutoFit/>
+          </a:bodyPr>
+          <a:lstStyle/>
+          <a:p>
+            <a:pPr algn="ctr"/>
+            <a:r>
+              <a:rPr lang="en-GB" sz="4000" dirty="0">
+                <a:solidFill>
+                  <a:schemeClr val="bg1"/>
+                </a:solidFill>
+              </a:rPr>
+              <a:t>Power BI</a:t>
+            </a:r>
+          </a:p>
+          <a:p>
+            <a:pPr algn="ctr"/>
+            <a:r>
+              <a:rPr lang="en-GB" dirty="0">
+                <a:solidFill>
+                  <a:schemeClr val="bg1"/>
+                </a:solidFill>
+              </a:rPr>
+              <a:t>series of talks &amp; presentations</a:t>
+            </a:r>
+          </a:p>
+          <a:p>
+            <a:pPr algn="ctr"/>
+            <a:r>
+              <a:rPr lang="en-GB" dirty="0">
+                <a:solidFill>
+                  <a:schemeClr val="bg1"/>
+                </a:solidFill>
+              </a:rPr>
+              <a:t>in preparation for PL-300 (old DA-100)</a:t>
+            </a:r>
+          </a:p>
+        </p:txBody>
+      </p:sp>
+      <p:pic>
+        <p:nvPicPr>
+          <p:cNvPr id="5" name="Content Placeholder 4">
+            <a:extLst>
+              <a:ext uri="{FF2B5EF4-FFF2-40B4-BE49-F238E27FC236}">
+                <a16:creationId xmlns:a16="http://schemas.microsoft.com/office/drawing/2014/main" id="{08B4693E-8B56-476B-BA1B-9E22CA812490}"/>
+              </a:ext>
+            </a:extLst>
+          </p:cNvPr>
+          <p:cNvPicPr>
+            <a:picLocks noChangeAspect="1"/>
+          </p:cNvPicPr>
+          <p:nvPr/>
+        </p:nvPicPr>
+        <p:blipFill>
+          <a:blip r:embed="rId2">
+            <a:extLst>
+              <a:ext uri="{28A0092B-C50C-407E-A947-70E740481C1C}">
+                <a14:useLocalDpi xmlns:a14="http://schemas.microsoft.com/office/drawing/2010/main" val="0"/>
+              </a:ext>
+            </a:extLst>
+          </a:blip>
+          <a:stretch>
+            <a:fillRect/>
+          </a:stretch>
+        </p:blipFill>
+        <p:spPr>
+          <a:xfrm>
+            <a:off x="9683527" y="5953125"/>
+            <a:ext cx="2383530" cy="786624"/>
+          </a:xfrm>
+          <a:prstGeom prst="rect">
+            <a:avLst/>
+          </a:prstGeom>
+        </p:spPr>
+      </p:pic>
+      <p:sp>
+        <p:nvSpPr>
+          <p:cNvPr id="6" name="TextBox 5">
+            <a:extLst>
+              <a:ext uri="{FF2B5EF4-FFF2-40B4-BE49-F238E27FC236}">
+                <a16:creationId xmlns:a16="http://schemas.microsoft.com/office/drawing/2014/main" id="{42783DAD-2B25-4D32-A60C-E8E359C7E6CE}"/>
+              </a:ext>
+            </a:extLst>
+          </p:cNvPr>
+          <p:cNvSpPr txBox="1"/>
+          <p:nvPr/>
+        </p:nvSpPr>
+        <p:spPr>
+          <a:xfrm>
+            <a:off x="5761893" y="6420498"/>
+            <a:ext cx="4132385" cy="369332"/>
+          </a:xfrm>
+          <a:prstGeom prst="rect">
+            <a:avLst/>
+          </a:prstGeom>
+          <a:noFill/>
+        </p:spPr>
+        <p:txBody>
+          <a:bodyPr wrap="square" rtlCol="0">
+            <a:spAutoFit/>
+          </a:bodyPr>
+          <a:lstStyle/>
+          <a:p>
+            <a:r>
+              <a:rPr lang="en-GB" dirty="0"/>
+              <a:t>https://powerbi.microsoft.com/en-gb/</a:t>
+            </a:r>
+          </a:p>
+        </p:txBody>
+      </p:sp>
+    </p:spTree>
+    <p:extLst>
+      <p:ext uri="{BB962C8B-B14F-4D97-AF65-F5344CB8AC3E}">
+        <p14:creationId xmlns:p14="http://schemas.microsoft.com/office/powerpoint/2010/main" val="4047579368"/>
+      </p:ext>
+    </p:extLst>
+  </p:cSld>
+  <p:clrMapOvr>
+    <a:masterClrMapping/>
+  </p:clrMapOvr>
+</p:sld>
+</file>
+
+<file path=ppt/slides/slide27.xml><?xml version="1.0" encoding="utf-8"?>
+<p:sld xmlns:a="http://schemas.openxmlformats.org/drawingml/2006/main" xmlns:r="http://schemas.openxmlformats.org/officeDocument/2006/relationships" xmlns:p="http://schemas.openxmlformats.org/presentationml/2006/main">
+  <p:cSld>
+    <p:spTree>
+      <p:nvGrpSpPr>
+        <p:cNvPr id="1" name=""/>
+        <p:cNvGrpSpPr/>
+        <p:nvPr/>
+      </p:nvGrpSpPr>
+      <p:grpSpPr>
+        <a:xfrm>
+          <a:off x="0" y="0"/>
+          <a:ext cx="0" cy="0"/>
+          <a:chOff x="0" y="0"/>
+          <a:chExt cx="0" cy="0"/>
+        </a:xfrm>
+      </p:grpSpPr>
+      <p:sp>
+        <p:nvSpPr>
+          <p:cNvPr id="2" name="Title 1">
+            <a:extLst>
+              <a:ext uri="{FF2B5EF4-FFF2-40B4-BE49-F238E27FC236}">
+                <a16:creationId xmlns:a16="http://schemas.microsoft.com/office/drawing/2014/main" id="{D6B1F528-33B5-493F-A0C4-12713A872C80}"/>
+              </a:ext>
+            </a:extLst>
+          </p:cNvPr>
+          <p:cNvSpPr>
+            <a:spLocks noGrp="1"/>
+          </p:cNvSpPr>
+          <p:nvPr>
+            <p:ph type="title"/>
+          </p:nvPr>
+        </p:nvSpPr>
+        <p:spPr>
+          <a:xfrm>
+            <a:off x="838200" y="365125"/>
+            <a:ext cx="10515600" cy="930275"/>
+          </a:xfrm>
+        </p:spPr>
+        <p:txBody>
+          <a:bodyPr/>
+          <a:lstStyle/>
+          <a:p>
+            <a:r>
+              <a:rPr lang="en-GB" dirty="0"/>
+              <a:t>1 - build your first report </a:t>
+            </a:r>
+          </a:p>
+        </p:txBody>
+      </p:sp>
+      <p:sp>
+        <p:nvSpPr>
+          <p:cNvPr id="3" name="Content Placeholder 2">
+            <a:extLst>
+              <a:ext uri="{FF2B5EF4-FFF2-40B4-BE49-F238E27FC236}">
+                <a16:creationId xmlns:a16="http://schemas.microsoft.com/office/drawing/2014/main" id="{DC1172D8-8388-4451-8296-C2243FB653F4}"/>
+              </a:ext>
+            </a:extLst>
+          </p:cNvPr>
+          <p:cNvSpPr>
+            <a:spLocks noGrp="1"/>
+          </p:cNvSpPr>
+          <p:nvPr>
+            <p:ph idx="1"/>
+          </p:nvPr>
+        </p:nvSpPr>
+        <p:spPr>
+          <a:xfrm>
+            <a:off x="838200" y="1295400"/>
+            <a:ext cx="10515600" cy="1022350"/>
+          </a:xfrm>
+        </p:spPr>
+        <p:txBody>
+          <a:bodyPr/>
+          <a:lstStyle/>
+          <a:p>
+            <a:r>
+              <a:rPr lang="en-GB" dirty="0">
+                <a:hlinkClick r:id="rId3"/>
+              </a:rPr>
+              <a:t>https://docs.microsoft.com/en-us/power-bi/create-reports/desktop-excel-stunning-report</a:t>
+            </a:r>
+            <a:endParaRPr lang="en-GB" dirty="0"/>
+          </a:p>
+          <a:p>
+            <a:endParaRPr lang="en-GB" dirty="0"/>
+          </a:p>
+        </p:txBody>
+      </p:sp>
+      <p:pic>
+        <p:nvPicPr>
+          <p:cNvPr id="5" name="Picture 4">
+            <a:extLst>
+              <a:ext uri="{FF2B5EF4-FFF2-40B4-BE49-F238E27FC236}">
+                <a16:creationId xmlns:a16="http://schemas.microsoft.com/office/drawing/2014/main" id="{5C771363-C023-4E83-98A8-E2A46A330845}"/>
+              </a:ext>
+            </a:extLst>
+          </p:cNvPr>
+          <p:cNvPicPr>
+            <a:picLocks noChangeAspect="1"/>
+          </p:cNvPicPr>
+          <p:nvPr/>
+        </p:nvPicPr>
+        <p:blipFill>
+          <a:blip r:embed="rId4"/>
+          <a:stretch>
+            <a:fillRect/>
+          </a:stretch>
+        </p:blipFill>
+        <p:spPr>
+          <a:xfrm>
+            <a:off x="1739799" y="2097339"/>
+            <a:ext cx="7491412" cy="4249098"/>
+          </a:xfrm>
+          <a:prstGeom prst="rect">
+            <a:avLst/>
+          </a:prstGeom>
+        </p:spPr>
+      </p:pic>
+      <p:pic>
+        <p:nvPicPr>
+          <p:cNvPr id="6" name="Content Placeholder 4">
+            <a:extLst>
+              <a:ext uri="{FF2B5EF4-FFF2-40B4-BE49-F238E27FC236}">
+                <a16:creationId xmlns:a16="http://schemas.microsoft.com/office/drawing/2014/main" id="{158EA55D-C38E-4D4E-9170-7AA072A13E18}"/>
+              </a:ext>
+            </a:extLst>
+          </p:cNvPr>
+          <p:cNvPicPr>
+            <a:picLocks noChangeAspect="1"/>
+          </p:cNvPicPr>
+          <p:nvPr/>
+        </p:nvPicPr>
+        <p:blipFill>
+          <a:blip r:embed="rId5">
+            <a:extLst>
+              <a:ext uri="{28A0092B-C50C-407E-A947-70E740481C1C}">
+                <a14:useLocalDpi xmlns:a14="http://schemas.microsoft.com/office/drawing/2010/main" val="0"/>
+              </a:ext>
+            </a:extLst>
+          </a:blip>
+          <a:stretch>
+            <a:fillRect/>
+          </a:stretch>
+        </p:blipFill>
+        <p:spPr>
+          <a:xfrm>
+            <a:off x="9683527" y="5953125"/>
+            <a:ext cx="2383530" cy="786624"/>
+          </a:xfrm>
+          <a:prstGeom prst="rect">
+            <a:avLst/>
+          </a:prstGeom>
+        </p:spPr>
+      </p:pic>
+      <p:sp>
+        <p:nvSpPr>
+          <p:cNvPr id="7" name="TextBox 6">
+            <a:extLst>
+              <a:ext uri="{FF2B5EF4-FFF2-40B4-BE49-F238E27FC236}">
+                <a16:creationId xmlns:a16="http://schemas.microsoft.com/office/drawing/2014/main" id="{1A602B20-5B3C-46EF-B858-EE717401FD4A}"/>
+              </a:ext>
+            </a:extLst>
+          </p:cNvPr>
+          <p:cNvSpPr txBox="1"/>
+          <p:nvPr/>
+        </p:nvSpPr>
+        <p:spPr>
+          <a:xfrm>
+            <a:off x="226503" y="6346437"/>
+            <a:ext cx="9177556" cy="369332"/>
+          </a:xfrm>
+          <a:prstGeom prst="rect">
+            <a:avLst/>
+          </a:prstGeom>
+          <a:noFill/>
+        </p:spPr>
+        <p:txBody>
+          <a:bodyPr wrap="square" rtlCol="0">
+            <a:spAutoFit/>
+          </a:bodyPr>
+          <a:lstStyle/>
+          <a:p>
+            <a:r>
+              <a:rPr lang="en-GB" dirty="0"/>
+              <a:t>More help: https://docs.microsoft.com/en-us/power-bi/fundamentals/desktop-getting-started</a:t>
+            </a:r>
+          </a:p>
+        </p:txBody>
+      </p:sp>
+    </p:spTree>
+    <p:extLst>
+      <p:ext uri="{BB962C8B-B14F-4D97-AF65-F5344CB8AC3E}">
+        <p14:creationId xmlns:p14="http://schemas.microsoft.com/office/powerpoint/2010/main" val="4041615411"/>
+      </p:ext>
+    </p:extLst>
+  </p:cSld>
+  <p:clrMapOvr>
+    <a:masterClrMapping/>
+  </p:clrMapOvr>
+</p:sld>
+</file>
+
+<file path=ppt/slides/slide28.xml><?xml version="1.0" encoding="utf-8"?>
+<p:sld xmlns:a="http://schemas.openxmlformats.org/drawingml/2006/main" xmlns:r="http://schemas.openxmlformats.org/officeDocument/2006/relationships" xmlns:p="http://schemas.openxmlformats.org/presentationml/2006/main">
+  <p:cSld>
+    <p:spTree>
+      <p:nvGrpSpPr>
+        <p:cNvPr id="1" name=""/>
+        <p:cNvGrpSpPr/>
+        <p:nvPr/>
+      </p:nvGrpSpPr>
+      <p:grpSpPr>
+        <a:xfrm>
+          <a:off x="0" y="0"/>
+          <a:ext cx="0" cy="0"/>
+          <a:chOff x="0" y="0"/>
+          <a:chExt cx="0" cy="0"/>
+        </a:xfrm>
+      </p:grpSpPr>
+      <p:sp>
+        <p:nvSpPr>
+          <p:cNvPr id="2" name="Title 1">
+            <a:extLst>
+              <a:ext uri="{FF2B5EF4-FFF2-40B4-BE49-F238E27FC236}">
+                <a16:creationId xmlns:a16="http://schemas.microsoft.com/office/drawing/2014/main" id="{601D5A8E-43FA-4761-8122-FE5FA634E76A}"/>
+              </a:ext>
+            </a:extLst>
+          </p:cNvPr>
+          <p:cNvSpPr>
+            <a:spLocks noGrp="1"/>
+          </p:cNvSpPr>
+          <p:nvPr>
+            <p:ph type="title"/>
+          </p:nvPr>
+        </p:nvSpPr>
+        <p:spPr/>
+        <p:txBody>
+          <a:bodyPr/>
+          <a:lstStyle/>
+          <a:p>
+            <a:r>
+              <a:rPr lang="en-GB" dirty="0"/>
+              <a:t>Tidy up report</a:t>
+            </a:r>
+          </a:p>
+        </p:txBody>
+      </p:sp>
+      <p:sp>
+        <p:nvSpPr>
+          <p:cNvPr id="3" name="Content Placeholder 2">
+            <a:extLst>
+              <a:ext uri="{FF2B5EF4-FFF2-40B4-BE49-F238E27FC236}">
+                <a16:creationId xmlns:a16="http://schemas.microsoft.com/office/drawing/2014/main" id="{2A2B1601-FED7-456F-9962-5B20B00721B2}"/>
+              </a:ext>
+            </a:extLst>
+          </p:cNvPr>
+          <p:cNvSpPr>
+            <a:spLocks noGrp="1"/>
+          </p:cNvSpPr>
+          <p:nvPr>
+            <p:ph idx="1"/>
+          </p:nvPr>
+        </p:nvSpPr>
+        <p:spPr/>
+        <p:txBody>
+          <a:bodyPr/>
+          <a:lstStyle/>
+          <a:p>
+            <a:r>
+              <a:rPr lang="en-GB" dirty="0"/>
+              <a:t>Last week we ingested the data in the Power Query Editor</a:t>
+            </a:r>
+          </a:p>
+          <a:p>
+            <a:r>
+              <a:rPr lang="en-GB" dirty="0"/>
+              <a:t>We made some simple transformations</a:t>
+            </a:r>
+          </a:p>
+          <a:p>
+            <a:r>
+              <a:rPr lang="en-GB" dirty="0"/>
+              <a:t>We started to build the report</a:t>
+            </a:r>
+          </a:p>
+          <a:p>
+            <a:r>
+              <a:rPr lang="en-GB" dirty="0"/>
+              <a:t>Lets continue in Power BI Desktop and build 1</a:t>
+            </a:r>
+            <a:r>
+              <a:rPr lang="en-GB" baseline="30000" dirty="0"/>
+              <a:t>st</a:t>
+            </a:r>
+            <a:r>
+              <a:rPr lang="en-GB" dirty="0"/>
+              <a:t> report.</a:t>
+            </a:r>
+          </a:p>
+          <a:p>
+            <a:endParaRPr lang="en-GB" dirty="0"/>
+          </a:p>
+        </p:txBody>
+      </p:sp>
+    </p:spTree>
+    <p:extLst>
+      <p:ext uri="{BB962C8B-B14F-4D97-AF65-F5344CB8AC3E}">
+        <p14:creationId xmlns:p14="http://schemas.microsoft.com/office/powerpoint/2010/main" val="3320800671"/>
+      </p:ext>
+    </p:extLst>
+  </p:cSld>
+  <p:clrMapOvr>
+    <a:masterClrMapping/>
+  </p:clrMapOvr>
+</p:sld>
+</file>
+
+<file path=ppt/slides/slide29.xml><?xml version="1.0" encoding="utf-8"?>
+<p:sld xmlns:a="http://schemas.openxmlformats.org/drawingml/2006/main" xmlns:r="http://schemas.openxmlformats.org/officeDocument/2006/relationships" xmlns:p="http://schemas.openxmlformats.org/presentationml/2006/main">
+  <p:cSld>
+    <p:spTree>
+      <p:nvGrpSpPr>
+        <p:cNvPr id="1" name=""/>
+        <p:cNvGrpSpPr/>
+        <p:nvPr/>
+      </p:nvGrpSpPr>
+      <p:grpSpPr>
+        <a:xfrm>
+          <a:off x="0" y="0"/>
+          <a:ext cx="0" cy="0"/>
+          <a:chOff x="0" y="0"/>
+          <a:chExt cx="0" cy="0"/>
+        </a:xfrm>
+      </p:grpSpPr>
+      <p:sp>
+        <p:nvSpPr>
+          <p:cNvPr id="2" name="Title 1">
+            <a:extLst>
+              <a:ext uri="{FF2B5EF4-FFF2-40B4-BE49-F238E27FC236}">
+                <a16:creationId xmlns:a16="http://schemas.microsoft.com/office/drawing/2014/main" id="{86E75771-FB62-4ACC-B8BD-1FCBD0AF1820}"/>
+              </a:ext>
+            </a:extLst>
+          </p:cNvPr>
+          <p:cNvSpPr>
+            <a:spLocks noGrp="1"/>
+          </p:cNvSpPr>
+          <p:nvPr>
+            <p:ph type="title"/>
+          </p:nvPr>
+        </p:nvSpPr>
+        <p:spPr>
+          <a:xfrm>
+            <a:off x="838200" y="365126"/>
+            <a:ext cx="10515600" cy="591220"/>
+          </a:xfrm>
+        </p:spPr>
+        <p:txBody>
+          <a:bodyPr>
+            <a:normAutofit fontScale="90000"/>
+          </a:bodyPr>
+          <a:lstStyle/>
+          <a:p>
+            <a:r>
+              <a:rPr lang="en-GB" dirty="0"/>
+              <a:t>Microsoft Learn PL-300</a:t>
+            </a:r>
+          </a:p>
+        </p:txBody>
+      </p:sp>
+      <p:sp>
+        <p:nvSpPr>
+          <p:cNvPr id="3" name="Content Placeholder 2">
+            <a:extLst>
+              <a:ext uri="{FF2B5EF4-FFF2-40B4-BE49-F238E27FC236}">
+                <a16:creationId xmlns:a16="http://schemas.microsoft.com/office/drawing/2014/main" id="{4AB93728-76D1-4EA3-B5D6-13C6DB06A4CC}"/>
+              </a:ext>
+            </a:extLst>
+          </p:cNvPr>
+          <p:cNvSpPr>
+            <a:spLocks noGrp="1"/>
+          </p:cNvSpPr>
+          <p:nvPr>
+            <p:ph idx="1"/>
+          </p:nvPr>
+        </p:nvSpPr>
+        <p:spPr>
+          <a:xfrm>
+            <a:off x="838200" y="956346"/>
+            <a:ext cx="10515600" cy="1165225"/>
+          </a:xfrm>
+        </p:spPr>
+        <p:txBody>
+          <a:bodyPr>
+            <a:normAutofit fontScale="40000" lnSpcReduction="20000"/>
+          </a:bodyPr>
+          <a:lstStyle/>
+          <a:p>
+            <a:r>
+              <a:rPr lang="en-US" b="1" i="0" dirty="0">
+                <a:solidFill>
+                  <a:srgbClr val="212121"/>
+                </a:solidFill>
+                <a:effectLst/>
+                <a:latin typeface="Graphik Meetup"/>
+              </a:rPr>
+              <a:t>Review curriculum</a:t>
+            </a:r>
+          </a:p>
+          <a:p>
+            <a:r>
+              <a:rPr lang="en-US" i="0" dirty="0">
+                <a:solidFill>
+                  <a:srgbClr val="212121"/>
+                </a:solidFill>
+                <a:effectLst/>
+                <a:latin typeface="Graphik Meetup"/>
+              </a:rPr>
+              <a:t>https://techcommunity.microsoft.com/t5/microsoft-learn-blog/announcing-a-new-name-for-the-data-analyst-associate/ba-p/2388941</a:t>
+            </a:r>
+          </a:p>
+          <a:p>
+            <a:r>
+              <a:rPr lang="en-US" sz="4200" i="0" dirty="0">
+                <a:solidFill>
+                  <a:srgbClr val="212121"/>
+                </a:solidFill>
+                <a:effectLst/>
+                <a:latin typeface="Graphik Meetup"/>
+              </a:rPr>
+              <a:t>https://docs.microsoft.com/en-us/learn/certifications/exams/da-100</a:t>
+            </a:r>
+          </a:p>
+          <a:p>
+            <a:r>
+              <a:rPr lang="en-GB" sz="4200" dirty="0"/>
+              <a:t>https://docs.microsoft.com/en-us/learn/certifications/exams/pl-300</a:t>
+            </a:r>
+          </a:p>
+        </p:txBody>
+      </p:sp>
+      <p:pic>
+        <p:nvPicPr>
+          <p:cNvPr id="8" name="Content Placeholder 4">
+            <a:extLst>
+              <a:ext uri="{FF2B5EF4-FFF2-40B4-BE49-F238E27FC236}">
+                <a16:creationId xmlns:a16="http://schemas.microsoft.com/office/drawing/2014/main" id="{0FB5A5C0-1991-4BF2-AC39-6C46E7645FA7}"/>
+              </a:ext>
+            </a:extLst>
+          </p:cNvPr>
+          <p:cNvPicPr>
+            <a:picLocks noChangeAspect="1"/>
+          </p:cNvPicPr>
+          <p:nvPr/>
+        </p:nvPicPr>
+        <p:blipFill>
+          <a:blip r:embed="rId2">
+            <a:extLst>
+              <a:ext uri="{28A0092B-C50C-407E-A947-70E740481C1C}">
+                <a14:useLocalDpi xmlns:a14="http://schemas.microsoft.com/office/drawing/2010/main" val="0"/>
+              </a:ext>
+            </a:extLst>
+          </a:blip>
+          <a:stretch>
+            <a:fillRect/>
+          </a:stretch>
+        </p:blipFill>
+        <p:spPr>
+          <a:xfrm>
+            <a:off x="9683527" y="5953125"/>
+            <a:ext cx="2383530" cy="786624"/>
+          </a:xfrm>
+          <a:prstGeom prst="rect">
+            <a:avLst/>
+          </a:prstGeom>
+        </p:spPr>
+      </p:pic>
+      <p:pic>
+        <p:nvPicPr>
+          <p:cNvPr id="6" name="Picture 5">
+            <a:extLst>
+              <a:ext uri="{FF2B5EF4-FFF2-40B4-BE49-F238E27FC236}">
+                <a16:creationId xmlns:a16="http://schemas.microsoft.com/office/drawing/2014/main" id="{9D86A932-5395-4876-A101-981E94470D07}"/>
+              </a:ext>
+            </a:extLst>
+          </p:cNvPr>
+          <p:cNvPicPr>
+            <a:picLocks noChangeAspect="1"/>
+          </p:cNvPicPr>
+          <p:nvPr/>
+        </p:nvPicPr>
+        <p:blipFill>
+          <a:blip r:embed="rId3"/>
+          <a:stretch>
+            <a:fillRect/>
+          </a:stretch>
+        </p:blipFill>
+        <p:spPr>
+          <a:xfrm>
+            <a:off x="1182433" y="2209326"/>
+            <a:ext cx="8020290" cy="4530424"/>
+          </a:xfrm>
+          <a:prstGeom prst="rect">
+            <a:avLst/>
+          </a:prstGeom>
+        </p:spPr>
+      </p:pic>
+    </p:spTree>
+    <p:extLst>
+      <p:ext uri="{BB962C8B-B14F-4D97-AF65-F5344CB8AC3E}">
+        <p14:creationId xmlns:p14="http://schemas.microsoft.com/office/powerpoint/2010/main" val="2996490276"/>
+      </p:ext>
+    </p:extLst>
+  </p:cSld>
+  <p:clrMapOvr>
+    <a:masterClrMapping/>
+  </p:clrMapOvr>
+</p:sld>
+</file>
+
 <file path=ppt/slides/slide3.xml><?xml version="1.0" encoding="utf-8"?>
 <p:sld xmlns:a="http://schemas.openxmlformats.org/drawingml/2006/main" xmlns:r="http://schemas.openxmlformats.org/officeDocument/2006/relationships" xmlns:p="http://schemas.openxmlformats.org/presentationml/2006/main">
   <p:cSld>
@@ -6965,6 +8717,877 @@
     <p:extLst>
       <p:ext uri="{BB962C8B-B14F-4D97-AF65-F5344CB8AC3E}">
         <p14:creationId xmlns:p14="http://schemas.microsoft.com/office/powerpoint/2010/main" val="72277808"/>
+      </p:ext>
+    </p:extLst>
+  </p:cSld>
+  <p:clrMapOvr>
+    <a:masterClrMapping/>
+  </p:clrMapOvr>
+</p:sld>
+</file>
+
+<file path=ppt/slides/slide30.xml><?xml version="1.0" encoding="utf-8"?>
+<p:sld xmlns:a="http://schemas.openxmlformats.org/drawingml/2006/main" xmlns:r="http://schemas.openxmlformats.org/officeDocument/2006/relationships" xmlns:p="http://schemas.openxmlformats.org/presentationml/2006/main">
+  <p:cSld>
+    <p:spTree>
+      <p:nvGrpSpPr>
+        <p:cNvPr id="1" name=""/>
+        <p:cNvGrpSpPr/>
+        <p:nvPr/>
+      </p:nvGrpSpPr>
+      <p:grpSpPr>
+        <a:xfrm>
+          <a:off x="0" y="0"/>
+          <a:ext cx="0" cy="0"/>
+          <a:chOff x="0" y="0"/>
+          <a:chExt cx="0" cy="0"/>
+        </a:xfrm>
+      </p:grpSpPr>
+      <p:sp>
+        <p:nvSpPr>
+          <p:cNvPr id="2" name="Title 1">
+            <a:extLst>
+              <a:ext uri="{FF2B5EF4-FFF2-40B4-BE49-F238E27FC236}">
+                <a16:creationId xmlns:a16="http://schemas.microsoft.com/office/drawing/2014/main" id="{9426447D-8C0E-4941-9EA3-4392492FEE9E}"/>
+              </a:ext>
+            </a:extLst>
+          </p:cNvPr>
+          <p:cNvSpPr>
+            <a:spLocks noGrp="1"/>
+          </p:cNvSpPr>
+          <p:nvPr>
+            <p:ph type="title"/>
+          </p:nvPr>
+        </p:nvSpPr>
+        <p:spPr/>
+        <p:txBody>
+          <a:bodyPr/>
+          <a:lstStyle/>
+          <a:p>
+            <a:r>
+              <a:rPr lang="en-GB" dirty="0"/>
+              <a:t>PL-300 syllabus</a:t>
+            </a:r>
+          </a:p>
+        </p:txBody>
+      </p:sp>
+      <p:sp>
+        <p:nvSpPr>
+          <p:cNvPr id="3" name="Content Placeholder 2">
+            <a:extLst>
+              <a:ext uri="{FF2B5EF4-FFF2-40B4-BE49-F238E27FC236}">
+                <a16:creationId xmlns:a16="http://schemas.microsoft.com/office/drawing/2014/main" id="{6FA5DF9A-1100-4DCE-BC82-BF0CFE96821D}"/>
+              </a:ext>
+            </a:extLst>
+          </p:cNvPr>
+          <p:cNvSpPr>
+            <a:spLocks noGrp="1"/>
+          </p:cNvSpPr>
+          <p:nvPr>
+            <p:ph idx="1"/>
+          </p:nvPr>
+        </p:nvSpPr>
+        <p:spPr/>
+        <p:txBody>
+          <a:bodyPr/>
+          <a:lstStyle/>
+          <a:p>
+            <a:r>
+              <a:rPr lang="en-GB" dirty="0"/>
+              <a:t>See the excel sheet with the breakdown of the PL-300 syllabus</a:t>
+            </a:r>
+          </a:p>
+        </p:txBody>
+      </p:sp>
+    </p:spTree>
+    <p:extLst>
+      <p:ext uri="{BB962C8B-B14F-4D97-AF65-F5344CB8AC3E}">
+        <p14:creationId xmlns:p14="http://schemas.microsoft.com/office/powerpoint/2010/main" val="2407146898"/>
+      </p:ext>
+    </p:extLst>
+  </p:cSld>
+  <p:clrMapOvr>
+    <a:masterClrMapping/>
+  </p:clrMapOvr>
+</p:sld>
+</file>
+
+<file path=ppt/slides/slide31.xml><?xml version="1.0" encoding="utf-8"?>
+<p:sld xmlns:a="http://schemas.openxmlformats.org/drawingml/2006/main" xmlns:r="http://schemas.openxmlformats.org/officeDocument/2006/relationships" xmlns:p="http://schemas.openxmlformats.org/presentationml/2006/main">
+  <p:cSld>
+    <p:spTree>
+      <p:nvGrpSpPr>
+        <p:cNvPr id="1" name=""/>
+        <p:cNvGrpSpPr/>
+        <p:nvPr/>
+      </p:nvGrpSpPr>
+      <p:grpSpPr>
+        <a:xfrm>
+          <a:off x="0" y="0"/>
+          <a:ext cx="0" cy="0"/>
+          <a:chOff x="0" y="0"/>
+          <a:chExt cx="0" cy="0"/>
+        </a:xfrm>
+      </p:grpSpPr>
+      <p:sp>
+        <p:nvSpPr>
+          <p:cNvPr id="2" name="Title 1">
+            <a:extLst>
+              <a:ext uri="{FF2B5EF4-FFF2-40B4-BE49-F238E27FC236}">
+                <a16:creationId xmlns:a16="http://schemas.microsoft.com/office/drawing/2014/main" id="{46D467DC-BD5C-468C-9F4E-40A6588AE1F3}"/>
+              </a:ext>
+            </a:extLst>
+          </p:cNvPr>
+          <p:cNvSpPr>
+            <a:spLocks noGrp="1"/>
+          </p:cNvSpPr>
+          <p:nvPr>
+            <p:ph type="title"/>
+          </p:nvPr>
+        </p:nvSpPr>
+        <p:spPr/>
+        <p:txBody>
+          <a:bodyPr/>
+          <a:lstStyle/>
+          <a:p>
+            <a:r>
+              <a:rPr lang="en-GB" dirty="0"/>
+              <a:t>Preparation for next week</a:t>
+            </a:r>
+          </a:p>
+        </p:txBody>
+      </p:sp>
+      <p:sp>
+        <p:nvSpPr>
+          <p:cNvPr id="3" name="Content Placeholder 2">
+            <a:extLst>
+              <a:ext uri="{FF2B5EF4-FFF2-40B4-BE49-F238E27FC236}">
+                <a16:creationId xmlns:a16="http://schemas.microsoft.com/office/drawing/2014/main" id="{52CED677-B6E6-4CE3-AB1E-E1EBC8A943F5}"/>
+              </a:ext>
+            </a:extLst>
+          </p:cNvPr>
+          <p:cNvSpPr>
+            <a:spLocks noGrp="1"/>
+          </p:cNvSpPr>
+          <p:nvPr>
+            <p:ph idx="1"/>
+          </p:nvPr>
+        </p:nvSpPr>
+        <p:spPr/>
+        <p:txBody>
+          <a:bodyPr/>
+          <a:lstStyle/>
+          <a:p>
+            <a:r>
+              <a:rPr lang="en-GB" dirty="0"/>
+              <a:t>Microsoft Learn : </a:t>
+            </a:r>
+            <a:r>
+              <a:rPr lang="en-GB" dirty="0">
+                <a:hlinkClick r:id="rId2"/>
+              </a:rPr>
+              <a:t>https://docs.microsoft.com/en-us/learn/certifications/exams/da-100</a:t>
+            </a:r>
+            <a:endParaRPr lang="en-GB" dirty="0"/>
+          </a:p>
+          <a:p>
+            <a:r>
+              <a:rPr lang="en-GB" dirty="0"/>
+              <a:t>Get started with MS data analytics </a:t>
+            </a:r>
+            <a:r>
+              <a:rPr lang="en-GB" dirty="0">
+                <a:hlinkClick r:id="rId3"/>
+              </a:rPr>
+              <a:t>https://docs.microsoft.com/en-us/learn/paths/data-analytics-microsoft/</a:t>
+            </a:r>
+            <a:endParaRPr lang="en-GB" dirty="0"/>
+          </a:p>
+          <a:p>
+            <a:endParaRPr lang="en-GB" dirty="0"/>
+          </a:p>
+          <a:p>
+            <a:endParaRPr lang="en-GB" dirty="0"/>
+          </a:p>
+          <a:p>
+            <a:endParaRPr lang="en-GB" dirty="0"/>
+          </a:p>
+          <a:p>
+            <a:r>
+              <a:rPr lang="en-GB" dirty="0"/>
+              <a:t>Microsoft documentation : </a:t>
+            </a:r>
+            <a:r>
+              <a:rPr lang="en-GB" dirty="0">
+                <a:hlinkClick r:id="rId4"/>
+              </a:rPr>
+              <a:t>https://docs.microsoft.com/en-us/power-bi/learning-catalog/</a:t>
+            </a:r>
+            <a:endParaRPr lang="en-GB" dirty="0"/>
+          </a:p>
+          <a:p>
+            <a:endParaRPr lang="en-GB" dirty="0"/>
+          </a:p>
+          <a:p>
+            <a:endParaRPr lang="en-GB" dirty="0"/>
+          </a:p>
+          <a:p>
+            <a:endParaRPr lang="en-GB" dirty="0"/>
+          </a:p>
+        </p:txBody>
+      </p:sp>
+      <p:pic>
+        <p:nvPicPr>
+          <p:cNvPr id="7" name="Picture 6">
+            <a:extLst>
+              <a:ext uri="{FF2B5EF4-FFF2-40B4-BE49-F238E27FC236}">
+                <a16:creationId xmlns:a16="http://schemas.microsoft.com/office/drawing/2014/main" id="{B1F404CD-6B77-4449-898F-A0EDB59F4C83}"/>
+              </a:ext>
+            </a:extLst>
+          </p:cNvPr>
+          <p:cNvPicPr>
+            <a:picLocks noChangeAspect="1"/>
+          </p:cNvPicPr>
+          <p:nvPr/>
+        </p:nvPicPr>
+        <p:blipFill>
+          <a:blip r:embed="rId5"/>
+          <a:stretch>
+            <a:fillRect/>
+          </a:stretch>
+        </p:blipFill>
+        <p:spPr>
+          <a:xfrm>
+            <a:off x="7162800" y="3181350"/>
+            <a:ext cx="4457700" cy="1866900"/>
+          </a:xfrm>
+          <a:prstGeom prst="rect">
+            <a:avLst/>
+          </a:prstGeom>
+        </p:spPr>
+      </p:pic>
+      <p:pic>
+        <p:nvPicPr>
+          <p:cNvPr id="8" name="Content Placeholder 4">
+            <a:extLst>
+              <a:ext uri="{FF2B5EF4-FFF2-40B4-BE49-F238E27FC236}">
+                <a16:creationId xmlns:a16="http://schemas.microsoft.com/office/drawing/2014/main" id="{D6C8343B-14F1-433E-996F-FD6CBC577605}"/>
+              </a:ext>
+            </a:extLst>
+          </p:cNvPr>
+          <p:cNvPicPr>
+            <a:picLocks noChangeAspect="1"/>
+          </p:cNvPicPr>
+          <p:nvPr/>
+        </p:nvPicPr>
+        <p:blipFill>
+          <a:blip r:embed="rId6">
+            <a:extLst>
+              <a:ext uri="{28A0092B-C50C-407E-A947-70E740481C1C}">
+                <a14:useLocalDpi xmlns:a14="http://schemas.microsoft.com/office/drawing/2010/main" val="0"/>
+              </a:ext>
+            </a:extLst>
+          </a:blip>
+          <a:stretch>
+            <a:fillRect/>
+          </a:stretch>
+        </p:blipFill>
+        <p:spPr>
+          <a:xfrm>
+            <a:off x="9683527" y="5953125"/>
+            <a:ext cx="2383530" cy="786624"/>
+          </a:xfrm>
+          <a:prstGeom prst="rect">
+            <a:avLst/>
+          </a:prstGeom>
+        </p:spPr>
+      </p:pic>
+    </p:spTree>
+    <p:extLst>
+      <p:ext uri="{BB962C8B-B14F-4D97-AF65-F5344CB8AC3E}">
+        <p14:creationId xmlns:p14="http://schemas.microsoft.com/office/powerpoint/2010/main" val="1476495466"/>
+      </p:ext>
+    </p:extLst>
+  </p:cSld>
+  <p:clrMapOvr>
+    <a:masterClrMapping/>
+  </p:clrMapOvr>
+</p:sld>
+</file>
+
+<file path=ppt/slides/slide32.xml><?xml version="1.0" encoding="utf-8"?>
+<p:sld xmlns:a="http://schemas.openxmlformats.org/drawingml/2006/main" xmlns:r="http://schemas.openxmlformats.org/officeDocument/2006/relationships" xmlns:p="http://schemas.openxmlformats.org/presentationml/2006/main">
+  <p:cSld>
+    <p:spTree>
+      <p:nvGrpSpPr>
+        <p:cNvPr id="1" name=""/>
+        <p:cNvGrpSpPr/>
+        <p:nvPr/>
+      </p:nvGrpSpPr>
+      <p:grpSpPr>
+        <a:xfrm>
+          <a:off x="0" y="0"/>
+          <a:ext cx="0" cy="0"/>
+          <a:chOff x="0" y="0"/>
+          <a:chExt cx="0" cy="0"/>
+        </a:xfrm>
+      </p:grpSpPr>
+      <p:sp>
+        <p:nvSpPr>
+          <p:cNvPr id="2" name="Title 1">
+            <a:extLst>
+              <a:ext uri="{FF2B5EF4-FFF2-40B4-BE49-F238E27FC236}">
+                <a16:creationId xmlns:a16="http://schemas.microsoft.com/office/drawing/2014/main" id="{5AA6B643-3A9B-4A5F-A6D7-35CFAA1C5F20}"/>
+              </a:ext>
+            </a:extLst>
+          </p:cNvPr>
+          <p:cNvSpPr>
+            <a:spLocks noGrp="1"/>
+          </p:cNvSpPr>
+          <p:nvPr>
+            <p:ph type="title"/>
+          </p:nvPr>
+        </p:nvSpPr>
+        <p:spPr/>
+        <p:txBody>
+          <a:bodyPr/>
+          <a:lstStyle/>
+          <a:p>
+            <a:r>
+              <a:rPr lang="en-GB" dirty="0"/>
+              <a:t>Social Media : Meetup , </a:t>
+            </a:r>
+            <a:r>
+              <a:rPr lang="en-GB" dirty="0" err="1"/>
+              <a:t>LinkedIN</a:t>
+            </a:r>
+            <a:r>
+              <a:rPr lang="en-GB" dirty="0"/>
+              <a:t>, YouTube</a:t>
+            </a:r>
+          </a:p>
+        </p:txBody>
+      </p:sp>
+      <p:pic>
+        <p:nvPicPr>
+          <p:cNvPr id="4" name="Picture 3">
+            <a:extLst>
+              <a:ext uri="{FF2B5EF4-FFF2-40B4-BE49-F238E27FC236}">
+                <a16:creationId xmlns:a16="http://schemas.microsoft.com/office/drawing/2014/main" id="{4D0E3523-D433-4D78-ADC0-6E0DD481F268}"/>
+              </a:ext>
+            </a:extLst>
+          </p:cNvPr>
+          <p:cNvPicPr>
+            <a:picLocks noChangeAspect="1"/>
+          </p:cNvPicPr>
+          <p:nvPr/>
+        </p:nvPicPr>
+        <p:blipFill>
+          <a:blip r:embed="rId2"/>
+          <a:stretch>
+            <a:fillRect/>
+          </a:stretch>
+        </p:blipFill>
+        <p:spPr>
+          <a:xfrm>
+            <a:off x="990600" y="1895903"/>
+            <a:ext cx="9944100" cy="3336682"/>
+          </a:xfrm>
+          <a:prstGeom prst="rect">
+            <a:avLst/>
+          </a:prstGeom>
+        </p:spPr>
+      </p:pic>
+    </p:spTree>
+    <p:extLst>
+      <p:ext uri="{BB962C8B-B14F-4D97-AF65-F5344CB8AC3E}">
+        <p14:creationId xmlns:p14="http://schemas.microsoft.com/office/powerpoint/2010/main" val="2231720391"/>
+      </p:ext>
+    </p:extLst>
+  </p:cSld>
+  <p:clrMapOvr>
+    <a:masterClrMapping/>
+  </p:clrMapOvr>
+</p:sld>
+</file>
+
+<file path=ppt/slides/slide33.xml><?xml version="1.0" encoding="utf-8"?>
+<p:sld xmlns:a="http://schemas.openxmlformats.org/drawingml/2006/main" xmlns:r="http://schemas.openxmlformats.org/officeDocument/2006/relationships" xmlns:p="http://schemas.openxmlformats.org/presentationml/2006/main">
+  <p:cSld>
+    <p:spTree>
+      <p:nvGrpSpPr>
+        <p:cNvPr id="1" name=""/>
+        <p:cNvGrpSpPr/>
+        <p:nvPr/>
+      </p:nvGrpSpPr>
+      <p:grpSpPr>
+        <a:xfrm>
+          <a:off x="0" y="0"/>
+          <a:ext cx="0" cy="0"/>
+          <a:chOff x="0" y="0"/>
+          <a:chExt cx="0" cy="0"/>
+        </a:xfrm>
+      </p:grpSpPr>
+      <p:sp>
+        <p:nvSpPr>
+          <p:cNvPr id="2" name="Title 1">
+            <a:extLst>
+              <a:ext uri="{FF2B5EF4-FFF2-40B4-BE49-F238E27FC236}">
+                <a16:creationId xmlns:a16="http://schemas.microsoft.com/office/drawing/2014/main" id="{EBA23355-EE1E-4808-88FA-1B3E36E028B0}"/>
+              </a:ext>
+            </a:extLst>
+          </p:cNvPr>
+          <p:cNvSpPr>
+            <a:spLocks noGrp="1"/>
+          </p:cNvSpPr>
+          <p:nvPr>
+            <p:ph type="title"/>
+          </p:nvPr>
+        </p:nvSpPr>
+        <p:spPr/>
+        <p:txBody>
+          <a:bodyPr/>
+          <a:lstStyle/>
+          <a:p>
+            <a:r>
+              <a:rPr lang="en-GB" dirty="0"/>
+              <a:t>You Tube</a:t>
+            </a:r>
+          </a:p>
+        </p:txBody>
+      </p:sp>
+      <p:sp>
+        <p:nvSpPr>
+          <p:cNvPr id="4" name="TextBox 3">
+            <a:extLst>
+              <a:ext uri="{FF2B5EF4-FFF2-40B4-BE49-F238E27FC236}">
+                <a16:creationId xmlns:a16="http://schemas.microsoft.com/office/drawing/2014/main" id="{172C685E-E660-4F28-BDC0-9B85B9ADEB6A}"/>
+              </a:ext>
+            </a:extLst>
+          </p:cNvPr>
+          <p:cNvSpPr txBox="1"/>
+          <p:nvPr/>
+        </p:nvSpPr>
+        <p:spPr>
+          <a:xfrm>
+            <a:off x="904875" y="1367522"/>
+            <a:ext cx="7505700" cy="369332"/>
+          </a:xfrm>
+          <a:prstGeom prst="rect">
+            <a:avLst/>
+          </a:prstGeom>
+          <a:noFill/>
+        </p:spPr>
+        <p:txBody>
+          <a:bodyPr wrap="square">
+            <a:spAutoFit/>
+          </a:bodyPr>
+          <a:lstStyle/>
+          <a:p>
+            <a:r>
+              <a:rPr lang="en-GB" dirty="0"/>
+              <a:t>https://www.youtube.com/channel/UCDtmmwK3YxWqzDNZ5L3pdMw</a:t>
+            </a:r>
+          </a:p>
+        </p:txBody>
+      </p:sp>
+      <p:pic>
+        <p:nvPicPr>
+          <p:cNvPr id="5" name="Picture 4">
+            <a:extLst>
+              <a:ext uri="{FF2B5EF4-FFF2-40B4-BE49-F238E27FC236}">
+                <a16:creationId xmlns:a16="http://schemas.microsoft.com/office/drawing/2014/main" id="{45BAADE2-75CF-473C-BC30-797585C47591}"/>
+              </a:ext>
+            </a:extLst>
+          </p:cNvPr>
+          <p:cNvPicPr>
+            <a:picLocks noChangeAspect="1"/>
+          </p:cNvPicPr>
+          <p:nvPr/>
+        </p:nvPicPr>
+        <p:blipFill>
+          <a:blip r:embed="rId2"/>
+          <a:stretch>
+            <a:fillRect/>
+          </a:stretch>
+        </p:blipFill>
+        <p:spPr>
+          <a:xfrm>
+            <a:off x="1004941" y="1735987"/>
+            <a:ext cx="8206171" cy="5122013"/>
+          </a:xfrm>
+          <a:prstGeom prst="rect">
+            <a:avLst/>
+          </a:prstGeom>
+        </p:spPr>
+      </p:pic>
+    </p:spTree>
+    <p:extLst>
+      <p:ext uri="{BB962C8B-B14F-4D97-AF65-F5344CB8AC3E}">
+        <p14:creationId xmlns:p14="http://schemas.microsoft.com/office/powerpoint/2010/main" val="2188531341"/>
+      </p:ext>
+    </p:extLst>
+  </p:cSld>
+  <p:clrMapOvr>
+    <a:masterClrMapping/>
+  </p:clrMapOvr>
+</p:sld>
+</file>
+
+<file path=ppt/slides/slide34.xml><?xml version="1.0" encoding="utf-8"?>
+<p:sld xmlns:a="http://schemas.openxmlformats.org/drawingml/2006/main" xmlns:r="http://schemas.openxmlformats.org/officeDocument/2006/relationships" xmlns:p="http://schemas.openxmlformats.org/presentationml/2006/main">
+  <p:cSld>
+    <p:spTree>
+      <p:nvGrpSpPr>
+        <p:cNvPr id="1" name=""/>
+        <p:cNvGrpSpPr/>
+        <p:nvPr/>
+      </p:nvGrpSpPr>
+      <p:grpSpPr>
+        <a:xfrm>
+          <a:off x="0" y="0"/>
+          <a:ext cx="0" cy="0"/>
+          <a:chOff x="0" y="0"/>
+          <a:chExt cx="0" cy="0"/>
+        </a:xfrm>
+      </p:grpSpPr>
+      <p:sp>
+        <p:nvSpPr>
+          <p:cNvPr id="2" name="Title 1">
+            <a:extLst>
+              <a:ext uri="{FF2B5EF4-FFF2-40B4-BE49-F238E27FC236}">
+                <a16:creationId xmlns:a16="http://schemas.microsoft.com/office/drawing/2014/main" id="{56EC3D94-E3CD-4D30-9024-A279D812319E}"/>
+              </a:ext>
+            </a:extLst>
+          </p:cNvPr>
+          <p:cNvSpPr>
+            <a:spLocks noGrp="1"/>
+          </p:cNvSpPr>
+          <p:nvPr>
+            <p:ph type="title"/>
+          </p:nvPr>
+        </p:nvSpPr>
+        <p:spPr/>
+        <p:txBody>
+          <a:bodyPr/>
+          <a:lstStyle/>
+          <a:p>
+            <a:r>
+              <a:rPr lang="en-GB" dirty="0" err="1"/>
+              <a:t>Github</a:t>
+            </a:r>
+            <a:r>
+              <a:rPr lang="en-GB" dirty="0"/>
+              <a:t> copy of Slides</a:t>
+            </a:r>
+          </a:p>
+        </p:txBody>
+      </p:sp>
+      <p:sp>
+        <p:nvSpPr>
+          <p:cNvPr id="3" name="Content Placeholder 2">
+            <a:extLst>
+              <a:ext uri="{FF2B5EF4-FFF2-40B4-BE49-F238E27FC236}">
+                <a16:creationId xmlns:a16="http://schemas.microsoft.com/office/drawing/2014/main" id="{4DD62E85-98E8-4259-838C-56316336E4AD}"/>
+              </a:ext>
+            </a:extLst>
+          </p:cNvPr>
+          <p:cNvSpPr>
+            <a:spLocks noGrp="1"/>
+          </p:cNvSpPr>
+          <p:nvPr>
+            <p:ph idx="1"/>
+          </p:nvPr>
+        </p:nvSpPr>
+        <p:spPr/>
+        <p:txBody>
+          <a:bodyPr/>
+          <a:lstStyle/>
+          <a:p>
+            <a:r>
+              <a:rPr lang="en-GB" dirty="0"/>
+              <a:t>https://github.com/wottabyte/PBITraining/tree/master/PL-300%20online%202022</a:t>
+            </a:r>
+          </a:p>
+        </p:txBody>
+      </p:sp>
+      <p:pic>
+        <p:nvPicPr>
+          <p:cNvPr id="5" name="Picture 4">
+            <a:extLst>
+              <a:ext uri="{FF2B5EF4-FFF2-40B4-BE49-F238E27FC236}">
+                <a16:creationId xmlns:a16="http://schemas.microsoft.com/office/drawing/2014/main" id="{A315F0D4-A3C0-472B-8651-3756A7F73CCD}"/>
+              </a:ext>
+            </a:extLst>
+          </p:cNvPr>
+          <p:cNvPicPr>
+            <a:picLocks noChangeAspect="1"/>
+          </p:cNvPicPr>
+          <p:nvPr/>
+        </p:nvPicPr>
+        <p:blipFill>
+          <a:blip r:embed="rId2"/>
+          <a:stretch>
+            <a:fillRect/>
+          </a:stretch>
+        </p:blipFill>
+        <p:spPr>
+          <a:xfrm>
+            <a:off x="591127" y="3048001"/>
+            <a:ext cx="10595214" cy="2838718"/>
+          </a:xfrm>
+          <a:prstGeom prst="rect">
+            <a:avLst/>
+          </a:prstGeom>
+        </p:spPr>
+      </p:pic>
+    </p:spTree>
+    <p:extLst>
+      <p:ext uri="{BB962C8B-B14F-4D97-AF65-F5344CB8AC3E}">
+        <p14:creationId xmlns:p14="http://schemas.microsoft.com/office/powerpoint/2010/main" val="3945776655"/>
+      </p:ext>
+    </p:extLst>
+  </p:cSld>
+  <p:clrMapOvr>
+    <a:masterClrMapping/>
+  </p:clrMapOvr>
+</p:sld>
+</file>
+
+<file path=ppt/slides/slide35.xml><?xml version="1.0" encoding="utf-8"?>
+<p:sld xmlns:a="http://schemas.openxmlformats.org/drawingml/2006/main" xmlns:r="http://schemas.openxmlformats.org/officeDocument/2006/relationships" xmlns:p="http://schemas.openxmlformats.org/presentationml/2006/main">
+  <p:cSld>
+    <p:spTree>
+      <p:nvGrpSpPr>
+        <p:cNvPr id="1" name=""/>
+        <p:cNvGrpSpPr/>
+        <p:nvPr/>
+      </p:nvGrpSpPr>
+      <p:grpSpPr>
+        <a:xfrm>
+          <a:off x="0" y="0"/>
+          <a:ext cx="0" cy="0"/>
+          <a:chOff x="0" y="0"/>
+          <a:chExt cx="0" cy="0"/>
+        </a:xfrm>
+      </p:grpSpPr>
+      <p:sp>
+        <p:nvSpPr>
+          <p:cNvPr id="2" name="Title 1">
+            <a:extLst>
+              <a:ext uri="{FF2B5EF4-FFF2-40B4-BE49-F238E27FC236}">
+                <a16:creationId xmlns:a16="http://schemas.microsoft.com/office/drawing/2014/main" id="{B86E618B-DF8B-435A-979C-C7D649083C23}"/>
+              </a:ext>
+            </a:extLst>
+          </p:cNvPr>
+          <p:cNvSpPr>
+            <a:spLocks noGrp="1"/>
+          </p:cNvSpPr>
+          <p:nvPr>
+            <p:ph type="title"/>
+          </p:nvPr>
+        </p:nvSpPr>
+        <p:spPr/>
+        <p:txBody>
+          <a:bodyPr/>
+          <a:lstStyle/>
+          <a:p>
+            <a:r>
+              <a:rPr lang="en-GB" dirty="0"/>
+              <a:t>Publish to www.powerbi.com</a:t>
+            </a:r>
+          </a:p>
+        </p:txBody>
+      </p:sp>
+      <p:sp>
+        <p:nvSpPr>
+          <p:cNvPr id="3" name="Content Placeholder 2">
+            <a:extLst>
+              <a:ext uri="{FF2B5EF4-FFF2-40B4-BE49-F238E27FC236}">
+                <a16:creationId xmlns:a16="http://schemas.microsoft.com/office/drawing/2014/main" id="{874DED6F-17AA-4C9A-B00C-2047CF0ED492}"/>
+              </a:ext>
+            </a:extLst>
+          </p:cNvPr>
+          <p:cNvSpPr>
+            <a:spLocks noGrp="1"/>
+          </p:cNvSpPr>
+          <p:nvPr>
+            <p:ph idx="1"/>
+          </p:nvPr>
+        </p:nvSpPr>
+        <p:spPr>
+          <a:xfrm>
+            <a:off x="838200" y="1825625"/>
+            <a:ext cx="10515600" cy="2060575"/>
+          </a:xfrm>
+        </p:spPr>
+        <p:txBody>
+          <a:bodyPr/>
+          <a:lstStyle/>
+          <a:p>
+            <a:r>
+              <a:rPr lang="en-GB" dirty="0"/>
+              <a:t>Sign in at </a:t>
+            </a:r>
+            <a:r>
+              <a:rPr lang="en-GB" dirty="0">
+                <a:hlinkClick r:id="rId2"/>
+              </a:rPr>
+              <a:t>www.powerbi.com</a:t>
+            </a:r>
+            <a:endParaRPr lang="en-GB" dirty="0"/>
+          </a:p>
+          <a:p>
+            <a:r>
+              <a:rPr lang="en-GB" dirty="0"/>
+              <a:t>You need a MS a/c   work account not a social email not </a:t>
+            </a:r>
+            <a:r>
+              <a:rPr lang="en-GB" dirty="0" err="1"/>
+              <a:t>gmail</a:t>
+            </a:r>
+            <a:r>
+              <a:rPr lang="en-GB" dirty="0"/>
+              <a:t> !!</a:t>
+            </a:r>
+          </a:p>
+          <a:p>
+            <a:r>
+              <a:rPr lang="en-GB" dirty="0">
+                <a:hlinkClick r:id="rId3"/>
+              </a:rPr>
+              <a:t>https://docs.microsoft.com/en-us/power-bi/fundamentals/service-self-service-signup-for-power-bi</a:t>
+            </a:r>
+            <a:endParaRPr lang="en-GB" dirty="0"/>
+          </a:p>
+          <a:p>
+            <a:endParaRPr lang="en-GB" dirty="0"/>
+          </a:p>
+        </p:txBody>
+      </p:sp>
+      <p:pic>
+        <p:nvPicPr>
+          <p:cNvPr id="4" name="Content Placeholder 4">
+            <a:extLst>
+              <a:ext uri="{FF2B5EF4-FFF2-40B4-BE49-F238E27FC236}">
+                <a16:creationId xmlns:a16="http://schemas.microsoft.com/office/drawing/2014/main" id="{94F7A102-3891-4C63-8F79-D188D1BB45CC}"/>
+              </a:ext>
+            </a:extLst>
+          </p:cNvPr>
+          <p:cNvPicPr>
+            <a:picLocks noChangeAspect="1"/>
+          </p:cNvPicPr>
+          <p:nvPr/>
+        </p:nvPicPr>
+        <p:blipFill>
+          <a:blip r:embed="rId4">
+            <a:extLst>
+              <a:ext uri="{28A0092B-C50C-407E-A947-70E740481C1C}">
+                <a14:useLocalDpi xmlns:a14="http://schemas.microsoft.com/office/drawing/2010/main" val="0"/>
+              </a:ext>
+            </a:extLst>
+          </a:blip>
+          <a:stretch>
+            <a:fillRect/>
+          </a:stretch>
+        </p:blipFill>
+        <p:spPr>
+          <a:xfrm>
+            <a:off x="9683527" y="5953125"/>
+            <a:ext cx="2383530" cy="786624"/>
+          </a:xfrm>
+          <a:prstGeom prst="rect">
+            <a:avLst/>
+          </a:prstGeom>
+        </p:spPr>
+      </p:pic>
+    </p:spTree>
+    <p:extLst>
+      <p:ext uri="{BB962C8B-B14F-4D97-AF65-F5344CB8AC3E}">
+        <p14:creationId xmlns:p14="http://schemas.microsoft.com/office/powerpoint/2010/main" val="2102971702"/>
+      </p:ext>
+    </p:extLst>
+  </p:cSld>
+  <p:clrMapOvr>
+    <a:masterClrMapping/>
+  </p:clrMapOvr>
+</p:sld>
+</file>
+
+<file path=ppt/slides/slide36.xml><?xml version="1.0" encoding="utf-8"?>
+<p:sld xmlns:a="http://schemas.openxmlformats.org/drawingml/2006/main" xmlns:r="http://schemas.openxmlformats.org/officeDocument/2006/relationships" xmlns:p="http://schemas.openxmlformats.org/presentationml/2006/main">
+  <p:cSld>
+    <p:spTree>
+      <p:nvGrpSpPr>
+        <p:cNvPr id="1" name=""/>
+        <p:cNvGrpSpPr/>
+        <p:nvPr/>
+      </p:nvGrpSpPr>
+      <p:grpSpPr>
+        <a:xfrm>
+          <a:off x="0" y="0"/>
+          <a:ext cx="0" cy="0"/>
+          <a:chOff x="0" y="0"/>
+          <a:chExt cx="0" cy="0"/>
+        </a:xfrm>
+      </p:grpSpPr>
+      <p:sp>
+        <p:nvSpPr>
+          <p:cNvPr id="2" name="Title 1">
+            <a:extLst>
+              <a:ext uri="{FF2B5EF4-FFF2-40B4-BE49-F238E27FC236}">
+                <a16:creationId xmlns:a16="http://schemas.microsoft.com/office/drawing/2014/main" id="{601D5A8E-43FA-4761-8122-FE5FA634E76A}"/>
+              </a:ext>
+            </a:extLst>
+          </p:cNvPr>
+          <p:cNvSpPr>
+            <a:spLocks noGrp="1"/>
+          </p:cNvSpPr>
+          <p:nvPr>
+            <p:ph type="title"/>
+          </p:nvPr>
+        </p:nvSpPr>
+        <p:spPr/>
+        <p:txBody>
+          <a:bodyPr/>
+          <a:lstStyle/>
+          <a:p>
+            <a:r>
+              <a:rPr lang="en-GB" dirty="0"/>
+              <a:t>Lesson 3</a:t>
+            </a:r>
+          </a:p>
+        </p:txBody>
+      </p:sp>
+      <p:sp>
+        <p:nvSpPr>
+          <p:cNvPr id="3" name="Content Placeholder 2">
+            <a:extLst>
+              <a:ext uri="{FF2B5EF4-FFF2-40B4-BE49-F238E27FC236}">
+                <a16:creationId xmlns:a16="http://schemas.microsoft.com/office/drawing/2014/main" id="{2A2B1601-FED7-456F-9962-5B20B00721B2}"/>
+              </a:ext>
+            </a:extLst>
+          </p:cNvPr>
+          <p:cNvSpPr>
+            <a:spLocks noGrp="1"/>
+          </p:cNvSpPr>
+          <p:nvPr>
+            <p:ph idx="1"/>
+          </p:nvPr>
+        </p:nvSpPr>
+        <p:spPr/>
+        <p:txBody>
+          <a:bodyPr/>
+          <a:lstStyle/>
+          <a:p>
+            <a:endParaRPr lang="en-GB" dirty="0"/>
+          </a:p>
+        </p:txBody>
+      </p:sp>
+    </p:spTree>
+    <p:extLst>
+      <p:ext uri="{BB962C8B-B14F-4D97-AF65-F5344CB8AC3E}">
+        <p14:creationId xmlns:p14="http://schemas.microsoft.com/office/powerpoint/2010/main" val="688484762"/>
       </p:ext>
     </p:extLst>
   </p:cSld>
